--- a/assets/Revised ELT_New assets.pptx
+++ b/assets/Revised ELT_New assets.pptx
@@ -2,19 +2,20 @@
 <file path=ppt/presentation.xml><?xml version="1.0" encoding="utf-8"?>
 <p:presentation xmlns:a="http://schemas.openxmlformats.org/drawingml/2006/main" xmlns:r="http://schemas.openxmlformats.org/officeDocument/2006/relationships" xmlns:p="http://schemas.openxmlformats.org/presentationml/2006/main" saveSubsetFonts="1">
   <p:sldMasterIdLst>
-    <p:sldMasterId id="2147483648" r:id="rId1"/>
+    <p:sldMasterId id="2147483660" r:id="rId1"/>
   </p:sldMasterIdLst>
   <p:sldIdLst>
     <p:sldId id="256" r:id="rId2"/>
     <p:sldId id="257" r:id="rId3"/>
+    <p:sldId id="258" r:id="rId4"/>
   </p:sldIdLst>
-  <p:sldSz cx="12192000" cy="6858000"/>
+  <p:sldSz cx="18000663" cy="10799763"/>
   <p:notesSz cx="6858000" cy="9144000"/>
   <p:defaultTextStyle>
     <a:defPPr>
       <a:defRPr lang="en-US"/>
     </a:defPPr>
-    <a:lvl1pPr marL="0" algn="l" defTabSz="914400" rtl="0" eaLnBrk="1" latinLnBrk="0" hangingPunct="1">
+    <a:lvl1pPr marL="0" algn="l" defTabSz="457200" rtl="0" eaLnBrk="1" latinLnBrk="0" hangingPunct="1">
       <a:defRPr sz="1800" kern="1200">
         <a:solidFill>
           <a:schemeClr val="tx1"/>
@@ -24,7 +25,7 @@
         <a:cs typeface="+mn-cs"/>
       </a:defRPr>
     </a:lvl1pPr>
-    <a:lvl2pPr marL="457200" algn="l" defTabSz="914400" rtl="0" eaLnBrk="1" latinLnBrk="0" hangingPunct="1">
+    <a:lvl2pPr marL="457200" algn="l" defTabSz="457200" rtl="0" eaLnBrk="1" latinLnBrk="0" hangingPunct="1">
       <a:defRPr sz="1800" kern="1200">
         <a:solidFill>
           <a:schemeClr val="tx1"/>
@@ -34,7 +35,7 @@
         <a:cs typeface="+mn-cs"/>
       </a:defRPr>
     </a:lvl2pPr>
-    <a:lvl3pPr marL="914400" algn="l" defTabSz="914400" rtl="0" eaLnBrk="1" latinLnBrk="0" hangingPunct="1">
+    <a:lvl3pPr marL="914400" algn="l" defTabSz="457200" rtl="0" eaLnBrk="1" latinLnBrk="0" hangingPunct="1">
       <a:defRPr sz="1800" kern="1200">
         <a:solidFill>
           <a:schemeClr val="tx1"/>
@@ -44,7 +45,7 @@
         <a:cs typeface="+mn-cs"/>
       </a:defRPr>
     </a:lvl3pPr>
-    <a:lvl4pPr marL="1371600" algn="l" defTabSz="914400" rtl="0" eaLnBrk="1" latinLnBrk="0" hangingPunct="1">
+    <a:lvl4pPr marL="1371600" algn="l" defTabSz="457200" rtl="0" eaLnBrk="1" latinLnBrk="0" hangingPunct="1">
       <a:defRPr sz="1800" kern="1200">
         <a:solidFill>
           <a:schemeClr val="tx1"/>
@@ -54,7 +55,7 @@
         <a:cs typeface="+mn-cs"/>
       </a:defRPr>
     </a:lvl4pPr>
-    <a:lvl5pPr marL="1828800" algn="l" defTabSz="914400" rtl="0" eaLnBrk="1" latinLnBrk="0" hangingPunct="1">
+    <a:lvl5pPr marL="1828800" algn="l" defTabSz="457200" rtl="0" eaLnBrk="1" latinLnBrk="0" hangingPunct="1">
       <a:defRPr sz="1800" kern="1200">
         <a:solidFill>
           <a:schemeClr val="tx1"/>
@@ -64,7 +65,7 @@
         <a:cs typeface="+mn-cs"/>
       </a:defRPr>
     </a:lvl5pPr>
-    <a:lvl6pPr marL="2286000" algn="l" defTabSz="914400" rtl="0" eaLnBrk="1" latinLnBrk="0" hangingPunct="1">
+    <a:lvl6pPr marL="2286000" algn="l" defTabSz="457200" rtl="0" eaLnBrk="1" latinLnBrk="0" hangingPunct="1">
       <a:defRPr sz="1800" kern="1200">
         <a:solidFill>
           <a:schemeClr val="tx1"/>
@@ -74,7 +75,7 @@
         <a:cs typeface="+mn-cs"/>
       </a:defRPr>
     </a:lvl6pPr>
-    <a:lvl7pPr marL="2743200" algn="l" defTabSz="914400" rtl="0" eaLnBrk="1" latinLnBrk="0" hangingPunct="1">
+    <a:lvl7pPr marL="2743200" algn="l" defTabSz="457200" rtl="0" eaLnBrk="1" latinLnBrk="0" hangingPunct="1">
       <a:defRPr sz="1800" kern="1200">
         <a:solidFill>
           <a:schemeClr val="tx1"/>
@@ -84,7 +85,7 @@
         <a:cs typeface="+mn-cs"/>
       </a:defRPr>
     </a:lvl7pPr>
-    <a:lvl8pPr marL="3200400" algn="l" defTabSz="914400" rtl="0" eaLnBrk="1" latinLnBrk="0" hangingPunct="1">
+    <a:lvl8pPr marL="3200400" algn="l" defTabSz="457200" rtl="0" eaLnBrk="1" latinLnBrk="0" hangingPunct="1">
       <a:defRPr sz="1800" kern="1200">
         <a:solidFill>
           <a:schemeClr val="tx1"/>
@@ -94,7 +95,7 @@
         <a:cs typeface="+mn-cs"/>
       </a:defRPr>
     </a:lvl8pPr>
-    <a:lvl9pPr marL="3657600" algn="l" defTabSz="914400" rtl="0" eaLnBrk="1" latinLnBrk="0" hangingPunct="1">
+    <a:lvl9pPr marL="3657600" algn="l" defTabSz="457200" rtl="0" eaLnBrk="1" latinLnBrk="0" hangingPunct="1">
       <a:defRPr sz="1800" kern="1200">
         <a:solidFill>
           <a:schemeClr val="tx1"/>
@@ -116,7 +117,7 @@
 <file path=ppt/revisionInfo.xml><?xml version="1.0" encoding="utf-8"?>
 <p1510:revInfo xmlns:a="http://schemas.openxmlformats.org/drawingml/2006/main" xmlns:r="http://schemas.openxmlformats.org/officeDocument/2006/relationships" xmlns:p1510="http://schemas.microsoft.com/office/powerpoint/2015/10/main">
   <p1510:revLst>
-    <p1510:client id="{70F45287-E290-41C4-B338-7C352E842E09}" v="21" dt="2023-06-19T17:04:09.746"/>
+    <p1510:client id="{70F45287-E290-41C4-B338-7C352E842E09}" v="53" dt="2023-06-20T10:26:34.439"/>
   </p1510:revLst>
 </p1510:revInfo>
 </file>
@@ -126,7 +127,7 @@
   <pc:docChgLst>
     <pc:chgData name="Jelka Stojanov (Psychology)" userId="e61b9082-ec50-436a-b087-f9cc23f5f1fd" providerId="ADAL" clId="{70F45287-E290-41C4-B338-7C352E842E09}"/>
     <pc:docChg chg="undo custSel addSld modSld">
-      <pc:chgData name="Jelka Stojanov (Psychology)" userId="e61b9082-ec50-436a-b087-f9cc23f5f1fd" providerId="ADAL" clId="{70F45287-E290-41C4-B338-7C352E842E09}" dt="2023-06-19T17:08:24.303" v="216" actId="478"/>
+      <pc:chgData name="Jelka Stojanov (Psychology)" userId="e61b9082-ec50-436a-b087-f9cc23f5f1fd" providerId="ADAL" clId="{70F45287-E290-41C4-B338-7C352E842E09}" dt="2023-06-20T10:27:03.323" v="525" actId="1076"/>
       <pc:docMkLst>
         <pc:docMk/>
       </pc:docMkLst>
@@ -328,6 +329,221 @@
           </ac:picMkLst>
         </pc:picChg>
       </pc:sldChg>
+      <pc:sldChg chg="addSp delSp modSp new mod">
+        <pc:chgData name="Jelka Stojanov (Psychology)" userId="e61b9082-ec50-436a-b087-f9cc23f5f1fd" providerId="ADAL" clId="{70F45287-E290-41C4-B338-7C352E842E09}" dt="2023-06-20T10:27:03.323" v="525" actId="1076"/>
+        <pc:sldMkLst>
+          <pc:docMk/>
+          <pc:sldMk cId="3699458635" sldId="258"/>
+        </pc:sldMkLst>
+        <pc:spChg chg="del">
+          <ac:chgData name="Jelka Stojanov (Psychology)" userId="e61b9082-ec50-436a-b087-f9cc23f5f1fd" providerId="ADAL" clId="{70F45287-E290-41C4-B338-7C352E842E09}" dt="2023-06-20T10:04:57.323" v="219" actId="478"/>
+          <ac:spMkLst>
+            <pc:docMk/>
+            <pc:sldMk cId="3699458635" sldId="258"/>
+            <ac:spMk id="2" creationId="{BC4CF9BE-FEC7-B32A-3858-289648ED4CAC}"/>
+          </ac:spMkLst>
+        </pc:spChg>
+        <pc:spChg chg="del">
+          <ac:chgData name="Jelka Stojanov (Psychology)" userId="e61b9082-ec50-436a-b087-f9cc23f5f1fd" providerId="ADAL" clId="{70F45287-E290-41C4-B338-7C352E842E09}" dt="2023-06-20T10:04:56.077" v="218" actId="478"/>
+          <ac:spMkLst>
+            <pc:docMk/>
+            <pc:sldMk cId="3699458635" sldId="258"/>
+            <ac:spMk id="3" creationId="{6FDFF0B2-22A7-98BB-D82A-F72A1DDFED9E}"/>
+          </ac:spMkLst>
+        </pc:spChg>
+        <pc:spChg chg="add mod">
+          <ac:chgData name="Jelka Stojanov (Psychology)" userId="e61b9082-ec50-436a-b087-f9cc23f5f1fd" providerId="ADAL" clId="{70F45287-E290-41C4-B338-7C352E842E09}" dt="2023-06-20T10:25:28.044" v="515" actId="164"/>
+          <ac:spMkLst>
+            <pc:docMk/>
+            <pc:sldMk cId="3699458635" sldId="258"/>
+            <ac:spMk id="12" creationId="{7BD631D9-0021-624C-6030-F0C9BF81EC04}"/>
+          </ac:spMkLst>
+        </pc:spChg>
+        <pc:spChg chg="add mod">
+          <ac:chgData name="Jelka Stojanov (Psychology)" userId="e61b9082-ec50-436a-b087-f9cc23f5f1fd" providerId="ADAL" clId="{70F45287-E290-41C4-B338-7C352E842E09}" dt="2023-06-20T10:25:28.044" v="515" actId="164"/>
+          <ac:spMkLst>
+            <pc:docMk/>
+            <pc:sldMk cId="3699458635" sldId="258"/>
+            <ac:spMk id="13" creationId="{CD654E8F-CDE2-17DA-0D1D-62F2048CA4EE}"/>
+          </ac:spMkLst>
+        </pc:spChg>
+        <pc:spChg chg="add mod">
+          <ac:chgData name="Jelka Stojanov (Psychology)" userId="e61b9082-ec50-436a-b087-f9cc23f5f1fd" providerId="ADAL" clId="{70F45287-E290-41C4-B338-7C352E842E09}" dt="2023-06-20T10:25:28.044" v="515" actId="164"/>
+          <ac:spMkLst>
+            <pc:docMk/>
+            <pc:sldMk cId="3699458635" sldId="258"/>
+            <ac:spMk id="14" creationId="{1F81B2AA-5FE2-97E8-162E-784C1D3976B1}"/>
+          </ac:spMkLst>
+        </pc:spChg>
+        <pc:spChg chg="add del mod">
+          <ac:chgData name="Jelka Stojanov (Psychology)" userId="e61b9082-ec50-436a-b087-f9cc23f5f1fd" providerId="ADAL" clId="{70F45287-E290-41C4-B338-7C352E842E09}" dt="2023-06-20T10:14:57.535" v="335" actId="478"/>
+          <ac:spMkLst>
+            <pc:docMk/>
+            <pc:sldMk cId="3699458635" sldId="258"/>
+            <ac:spMk id="21" creationId="{78FCE4A2-4DC5-DEBF-8094-23636B5CED8D}"/>
+          </ac:spMkLst>
+        </pc:spChg>
+        <pc:spChg chg="add mod">
+          <ac:chgData name="Jelka Stojanov (Psychology)" userId="e61b9082-ec50-436a-b087-f9cc23f5f1fd" providerId="ADAL" clId="{70F45287-E290-41C4-B338-7C352E842E09}" dt="2023-06-20T10:25:28.044" v="515" actId="164"/>
+          <ac:spMkLst>
+            <pc:docMk/>
+            <pc:sldMk cId="3699458635" sldId="258"/>
+            <ac:spMk id="25" creationId="{93007E2A-6838-06A0-5D35-D2E5FF8034ED}"/>
+          </ac:spMkLst>
+        </pc:spChg>
+        <pc:spChg chg="add mod">
+          <ac:chgData name="Jelka Stojanov (Psychology)" userId="e61b9082-ec50-436a-b087-f9cc23f5f1fd" providerId="ADAL" clId="{70F45287-E290-41C4-B338-7C352E842E09}" dt="2023-06-20T10:25:28.044" v="515" actId="164"/>
+          <ac:spMkLst>
+            <pc:docMk/>
+            <pc:sldMk cId="3699458635" sldId="258"/>
+            <ac:spMk id="26" creationId="{E61D4942-7895-F056-F4C8-9DE789A51E7C}"/>
+          </ac:spMkLst>
+        </pc:spChg>
+        <pc:spChg chg="add mod">
+          <ac:chgData name="Jelka Stojanov (Psychology)" userId="e61b9082-ec50-436a-b087-f9cc23f5f1fd" providerId="ADAL" clId="{70F45287-E290-41C4-B338-7C352E842E09}" dt="2023-06-20T10:25:28.044" v="515" actId="164"/>
+          <ac:spMkLst>
+            <pc:docMk/>
+            <pc:sldMk cId="3699458635" sldId="258"/>
+            <ac:spMk id="27" creationId="{88B58B8C-1D3A-B111-5E98-FAA91E85A573}"/>
+          </ac:spMkLst>
+        </pc:spChg>
+        <pc:spChg chg="add mod">
+          <ac:chgData name="Jelka Stojanov (Psychology)" userId="e61b9082-ec50-436a-b087-f9cc23f5f1fd" providerId="ADAL" clId="{70F45287-E290-41C4-B338-7C352E842E09}" dt="2023-06-20T10:25:28.044" v="515" actId="164"/>
+          <ac:spMkLst>
+            <pc:docMk/>
+            <pc:sldMk cId="3699458635" sldId="258"/>
+            <ac:spMk id="28" creationId="{1B9C476C-0B98-5EF0-87E1-32D604190C0D}"/>
+          </ac:spMkLst>
+        </pc:spChg>
+        <pc:spChg chg="add mod">
+          <ac:chgData name="Jelka Stojanov (Psychology)" userId="e61b9082-ec50-436a-b087-f9cc23f5f1fd" providerId="ADAL" clId="{70F45287-E290-41C4-B338-7C352E842E09}" dt="2023-06-20T10:25:28.044" v="515" actId="164"/>
+          <ac:spMkLst>
+            <pc:docMk/>
+            <pc:sldMk cId="3699458635" sldId="258"/>
+            <ac:spMk id="29" creationId="{A11C95B8-64CD-064F-E1E0-991C0B544C4A}"/>
+          </ac:spMkLst>
+        </pc:spChg>
+        <pc:spChg chg="add mod">
+          <ac:chgData name="Jelka Stojanov (Psychology)" userId="e61b9082-ec50-436a-b087-f9cc23f5f1fd" providerId="ADAL" clId="{70F45287-E290-41C4-B338-7C352E842E09}" dt="2023-06-20T10:25:28.044" v="515" actId="164"/>
+          <ac:spMkLst>
+            <pc:docMk/>
+            <pc:sldMk cId="3699458635" sldId="258"/>
+            <ac:spMk id="36" creationId="{8B65AC0D-021C-462A-9496-4690B2C4B51A}"/>
+          </ac:spMkLst>
+        </pc:spChg>
+        <pc:spChg chg="add del mod">
+          <ac:chgData name="Jelka Stojanov (Psychology)" userId="e61b9082-ec50-436a-b087-f9cc23f5f1fd" providerId="ADAL" clId="{70F45287-E290-41C4-B338-7C352E842E09}" dt="2023-06-20T10:26:41.566" v="520" actId="478"/>
+          <ac:spMkLst>
+            <pc:docMk/>
+            <pc:sldMk cId="3699458635" sldId="258"/>
+            <ac:spMk id="38" creationId="{EC02D45B-6068-DB6B-784F-6EF598B06234}"/>
+          </ac:spMkLst>
+        </pc:spChg>
+        <pc:grpChg chg="add mod">
+          <ac:chgData name="Jelka Stojanov (Psychology)" userId="e61b9082-ec50-436a-b087-f9cc23f5f1fd" providerId="ADAL" clId="{70F45287-E290-41C4-B338-7C352E842E09}" dt="2023-06-20T10:26:58.136" v="524" actId="1076"/>
+          <ac:grpSpMkLst>
+            <pc:docMk/>
+            <pc:sldMk cId="3699458635" sldId="258"/>
+            <ac:grpSpMk id="37" creationId="{1D1D2A3E-CBC6-BB4D-C5F9-F0371C98FCF0}"/>
+          </ac:grpSpMkLst>
+        </pc:grpChg>
+        <pc:picChg chg="add mod modCrop">
+          <ac:chgData name="Jelka Stojanov (Psychology)" userId="e61b9082-ec50-436a-b087-f9cc23f5f1fd" providerId="ADAL" clId="{70F45287-E290-41C4-B338-7C352E842E09}" dt="2023-06-20T10:25:28.044" v="515" actId="164"/>
+          <ac:picMkLst>
+            <pc:docMk/>
+            <pc:sldMk cId="3699458635" sldId="258"/>
+            <ac:picMk id="5" creationId="{BF47055E-0186-2C5A-6B5D-28447FF8F13A}"/>
+          </ac:picMkLst>
+        </pc:picChg>
+        <pc:picChg chg="add mod modCrop">
+          <ac:chgData name="Jelka Stojanov (Psychology)" userId="e61b9082-ec50-436a-b087-f9cc23f5f1fd" providerId="ADAL" clId="{70F45287-E290-41C4-B338-7C352E842E09}" dt="2023-06-20T10:25:28.044" v="515" actId="164"/>
+          <ac:picMkLst>
+            <pc:docMk/>
+            <pc:sldMk cId="3699458635" sldId="258"/>
+            <ac:picMk id="7" creationId="{7BB56E17-2F95-72C4-086C-63AAC0A88E29}"/>
+          </ac:picMkLst>
+        </pc:picChg>
+        <pc:picChg chg="add mod modCrop">
+          <ac:chgData name="Jelka Stojanov (Psychology)" userId="e61b9082-ec50-436a-b087-f9cc23f5f1fd" providerId="ADAL" clId="{70F45287-E290-41C4-B338-7C352E842E09}" dt="2023-06-20T10:25:28.044" v="515" actId="164"/>
+          <ac:picMkLst>
+            <pc:docMk/>
+            <pc:sldMk cId="3699458635" sldId="258"/>
+            <ac:picMk id="9" creationId="{961B2ED7-CF65-5005-862D-F77FCA0E2299}"/>
+          </ac:picMkLst>
+        </pc:picChg>
+        <pc:picChg chg="add mod modCrop">
+          <ac:chgData name="Jelka Stojanov (Psychology)" userId="e61b9082-ec50-436a-b087-f9cc23f5f1fd" providerId="ADAL" clId="{70F45287-E290-41C4-B338-7C352E842E09}" dt="2023-06-20T10:25:28.044" v="515" actId="164"/>
+          <ac:picMkLst>
+            <pc:docMk/>
+            <pc:sldMk cId="3699458635" sldId="258"/>
+            <ac:picMk id="11" creationId="{A9BFADBE-0BD3-1E32-1027-96EAA15A9947}"/>
+          </ac:picMkLst>
+        </pc:picChg>
+        <pc:picChg chg="add mod modCrop">
+          <ac:chgData name="Jelka Stojanov (Psychology)" userId="e61b9082-ec50-436a-b087-f9cc23f5f1fd" providerId="ADAL" clId="{70F45287-E290-41C4-B338-7C352E842E09}" dt="2023-06-20T10:27:03.323" v="525" actId="1076"/>
+          <ac:picMkLst>
+            <pc:docMk/>
+            <pc:sldMk cId="3699458635" sldId="258"/>
+            <ac:picMk id="16" creationId="{1AF44BAC-5FCC-0D42-7E65-4FD78F988CE3}"/>
+          </ac:picMkLst>
+        </pc:picChg>
+        <pc:picChg chg="add del mod modCrop">
+          <ac:chgData name="Jelka Stojanov (Psychology)" userId="e61b9082-ec50-436a-b087-f9cc23f5f1fd" providerId="ADAL" clId="{70F45287-E290-41C4-B338-7C352E842E09}" dt="2023-06-20T10:22:15.714" v="470" actId="478"/>
+          <ac:picMkLst>
+            <pc:docMk/>
+            <pc:sldMk cId="3699458635" sldId="258"/>
+            <ac:picMk id="18" creationId="{2B57C8B4-CBCF-AD94-5B72-EBA5CF7E8C1E}"/>
+          </ac:picMkLst>
+        </pc:picChg>
+        <pc:picChg chg="add del mod">
+          <ac:chgData name="Jelka Stojanov (Psychology)" userId="e61b9082-ec50-436a-b087-f9cc23f5f1fd" providerId="ADAL" clId="{70F45287-E290-41C4-B338-7C352E842E09}" dt="2023-06-20T10:14:54.205" v="333" actId="478"/>
+          <ac:picMkLst>
+            <pc:docMk/>
+            <pc:sldMk cId="3699458635" sldId="258"/>
+            <ac:picMk id="19" creationId="{7A0C3044-CF51-0224-092E-045BD4188714}"/>
+          </ac:picMkLst>
+        </pc:picChg>
+        <pc:picChg chg="add del mod">
+          <ac:chgData name="Jelka Stojanov (Psychology)" userId="e61b9082-ec50-436a-b087-f9cc23f5f1fd" providerId="ADAL" clId="{70F45287-E290-41C4-B338-7C352E842E09}" dt="2023-06-20T10:14:55.416" v="334" actId="478"/>
+          <ac:picMkLst>
+            <pc:docMk/>
+            <pc:sldMk cId="3699458635" sldId="258"/>
+            <ac:picMk id="20" creationId="{D15DABB6-2CDC-86F5-A37F-245AE282760E}"/>
+          </ac:picMkLst>
+        </pc:picChg>
+        <pc:picChg chg="add mod modCrop">
+          <ac:chgData name="Jelka Stojanov (Psychology)" userId="e61b9082-ec50-436a-b087-f9cc23f5f1fd" providerId="ADAL" clId="{70F45287-E290-41C4-B338-7C352E842E09}" dt="2023-06-20T10:25:28.044" v="515" actId="164"/>
+          <ac:picMkLst>
+            <pc:docMk/>
+            <pc:sldMk cId="3699458635" sldId="258"/>
+            <ac:picMk id="31" creationId="{ED40793D-B46C-EEE1-6DFA-86326D38691C}"/>
+          </ac:picMkLst>
+        </pc:picChg>
+        <pc:picChg chg="add mod modCrop">
+          <ac:chgData name="Jelka Stojanov (Psychology)" userId="e61b9082-ec50-436a-b087-f9cc23f5f1fd" providerId="ADAL" clId="{70F45287-E290-41C4-B338-7C352E842E09}" dt="2023-06-20T10:25:28.044" v="515" actId="164"/>
+          <ac:picMkLst>
+            <pc:docMk/>
+            <pc:sldMk cId="3699458635" sldId="258"/>
+            <ac:picMk id="33" creationId="{CE3904C8-9C3D-F32A-0F3B-0267BEF40695}"/>
+          </ac:picMkLst>
+        </pc:picChg>
+        <pc:picChg chg="add mod modCrop">
+          <ac:chgData name="Jelka Stojanov (Psychology)" userId="e61b9082-ec50-436a-b087-f9cc23f5f1fd" providerId="ADAL" clId="{70F45287-E290-41C4-B338-7C352E842E09}" dt="2023-06-20T10:25:28.044" v="515" actId="164"/>
+          <ac:picMkLst>
+            <pc:docMk/>
+            <pc:sldMk cId="3699458635" sldId="258"/>
+            <ac:picMk id="35" creationId="{E096F6A6-908A-B14A-071C-2873A43BB819}"/>
+          </ac:picMkLst>
+        </pc:picChg>
+        <pc:cxnChg chg="add mod">
+          <ac:chgData name="Jelka Stojanov (Psychology)" userId="e61b9082-ec50-436a-b087-f9cc23f5f1fd" providerId="ADAL" clId="{70F45287-E290-41C4-B338-7C352E842E09}" dt="2023-06-20T10:25:28.044" v="515" actId="164"/>
+          <ac:cxnSpMkLst>
+            <pc:docMk/>
+            <pc:sldMk cId="3699458635" sldId="258"/>
+            <ac:cxnSpMk id="23" creationId="{F16F9292-D9E1-CFEE-8595-3E56AA73923D}"/>
+          </ac:cxnSpMkLst>
+        </pc:cxnChg>
+      </pc:sldChg>
     </pc:docChg>
   </pc:docChgLst>
 </pc:chgInfo>
@@ -352,13 +568,7 @@
       </p:grpSpPr>
       <p:sp>
         <p:nvSpPr>
-          <p:cNvPr id="2" name="Title 1">
-            <a:extLst>
-              <a:ext uri="{FF2B5EF4-FFF2-40B4-BE49-F238E27FC236}">
-                <a16:creationId xmlns:a16="http://schemas.microsoft.com/office/drawing/2014/main" id="{319B385D-DA1B-E9F8-1B48-F59510E839D6}"/>
-              </a:ext>
-            </a:extLst>
-          </p:cNvPr>
+          <p:cNvPr id="2" name="Title 1"/>
           <p:cNvSpPr>
             <a:spLocks noGrp="1"/>
           </p:cNvSpPr>
@@ -368,15 +578,15 @@
         </p:nvSpPr>
         <p:spPr>
           <a:xfrm>
-            <a:off x="1524000" y="1122363"/>
-            <a:ext cx="9144000" cy="2387600"/>
+            <a:off x="2250083" y="1767462"/>
+            <a:ext cx="13500497" cy="3759917"/>
           </a:xfrm>
         </p:spPr>
         <p:txBody>
           <a:bodyPr anchor="b"/>
           <a:lstStyle>
             <a:lvl1pPr algn="ctr">
-              <a:defRPr sz="6000"/>
+              <a:defRPr sz="8858"/>
             </a:lvl1pPr>
           </a:lstStyle>
           <a:p>
@@ -384,19 +594,13 @@
               <a:rPr lang="en-US"/>
               <a:t>Click to edit Master title style</a:t>
             </a:r>
-            <a:endParaRPr lang="en-GB"/>
-          </a:p>
-        </p:txBody>
-      </p:sp>
-      <p:sp>
-        <p:nvSpPr>
-          <p:cNvPr id="3" name="Subtitle 2">
-            <a:extLst>
-              <a:ext uri="{FF2B5EF4-FFF2-40B4-BE49-F238E27FC236}">
-                <a16:creationId xmlns:a16="http://schemas.microsoft.com/office/drawing/2014/main" id="{F756D207-9F00-FFD3-03AA-71E36E78735E}"/>
-              </a:ext>
-            </a:extLst>
-          </p:cNvPr>
+            <a:endParaRPr lang="en-US" dirty="0"/>
+          </a:p>
+        </p:txBody>
+      </p:sp>
+      <p:sp>
+        <p:nvSpPr>
+          <p:cNvPr id="3" name="Subtitle 2"/>
           <p:cNvSpPr>
             <a:spLocks noGrp="1"/>
           </p:cNvSpPr>
@@ -406,8 +610,8 @@
         </p:nvSpPr>
         <p:spPr>
           <a:xfrm>
-            <a:off x="1524000" y="3602038"/>
-            <a:ext cx="9144000" cy="1655762"/>
+            <a:off x="2250083" y="5672376"/>
+            <a:ext cx="13500497" cy="2607442"/>
           </a:xfrm>
         </p:spPr>
         <p:txBody>
@@ -415,39 +619,39 @@
           <a:lstStyle>
             <a:lvl1pPr marL="0" indent="0" algn="ctr">
               <a:buNone/>
-              <a:defRPr sz="2400"/>
+              <a:defRPr sz="3543"/>
             </a:lvl1pPr>
-            <a:lvl2pPr marL="457200" indent="0" algn="ctr">
-              <a:buNone/>
-              <a:defRPr sz="2000"/>
+            <a:lvl2pPr marL="675010" indent="0" algn="ctr">
+              <a:buNone/>
+              <a:defRPr sz="2953"/>
             </a:lvl2pPr>
-            <a:lvl3pPr marL="914400" indent="0" algn="ctr">
-              <a:buNone/>
-              <a:defRPr sz="1800"/>
+            <a:lvl3pPr marL="1350020" indent="0" algn="ctr">
+              <a:buNone/>
+              <a:defRPr sz="2658"/>
             </a:lvl3pPr>
-            <a:lvl4pPr marL="1371600" indent="0" algn="ctr">
-              <a:buNone/>
-              <a:defRPr sz="1600"/>
+            <a:lvl4pPr marL="2025030" indent="0" algn="ctr">
+              <a:buNone/>
+              <a:defRPr sz="2362"/>
             </a:lvl4pPr>
-            <a:lvl5pPr marL="1828800" indent="0" algn="ctr">
-              <a:buNone/>
-              <a:defRPr sz="1600"/>
+            <a:lvl5pPr marL="2700040" indent="0" algn="ctr">
+              <a:buNone/>
+              <a:defRPr sz="2362"/>
             </a:lvl5pPr>
-            <a:lvl6pPr marL="2286000" indent="0" algn="ctr">
-              <a:buNone/>
-              <a:defRPr sz="1600"/>
+            <a:lvl6pPr marL="3375050" indent="0" algn="ctr">
+              <a:buNone/>
+              <a:defRPr sz="2362"/>
             </a:lvl6pPr>
-            <a:lvl7pPr marL="2743200" indent="0" algn="ctr">
-              <a:buNone/>
-              <a:defRPr sz="1600"/>
+            <a:lvl7pPr marL="4050060" indent="0" algn="ctr">
+              <a:buNone/>
+              <a:defRPr sz="2362"/>
             </a:lvl7pPr>
-            <a:lvl8pPr marL="3200400" indent="0" algn="ctr">
-              <a:buNone/>
-              <a:defRPr sz="1600"/>
+            <a:lvl8pPr marL="4725071" indent="0" algn="ctr">
+              <a:buNone/>
+              <a:defRPr sz="2362"/>
             </a:lvl8pPr>
-            <a:lvl9pPr marL="3657600" indent="0" algn="ctr">
-              <a:buNone/>
-              <a:defRPr sz="1600"/>
+            <a:lvl9pPr marL="5400081" indent="0" algn="ctr">
+              <a:buNone/>
+              <a:defRPr sz="2362"/>
             </a:lvl9pPr>
           </a:lstStyle>
           <a:p>
@@ -455,19 +659,13 @@
               <a:rPr lang="en-US"/>
               <a:t>Click to edit Master subtitle style</a:t>
             </a:r>
-            <a:endParaRPr lang="en-GB"/>
-          </a:p>
-        </p:txBody>
-      </p:sp>
-      <p:sp>
-        <p:nvSpPr>
-          <p:cNvPr id="4" name="Date Placeholder 3">
-            <a:extLst>
-              <a:ext uri="{FF2B5EF4-FFF2-40B4-BE49-F238E27FC236}">
-                <a16:creationId xmlns:a16="http://schemas.microsoft.com/office/drawing/2014/main" id="{C4E637AE-20C7-4656-F1F2-E6F75B12678B}"/>
-              </a:ext>
-            </a:extLst>
-          </p:cNvPr>
+            <a:endParaRPr lang="en-US" dirty="0"/>
+          </a:p>
+        </p:txBody>
+      </p:sp>
+      <p:sp>
+        <p:nvSpPr>
+          <p:cNvPr id="4" name="Date Placeholder 3"/>
           <p:cNvSpPr>
             <a:spLocks noGrp="1"/>
           </p:cNvSpPr>
@@ -482,7 +680,7 @@
           <a:p>
             <a:fld id="{29A97844-0301-4D63-AF48-6DAF4C72E940}" type="datetimeFigureOut">
               <a:rPr lang="en-GB" smtClean="0"/>
-              <a:t>19/06/2023</a:t>
+              <a:t>20/06/2023</a:t>
             </a:fld>
             <a:endParaRPr lang="en-GB"/>
           </a:p>
@@ -490,13 +688,7 @@
       </p:sp>
       <p:sp>
         <p:nvSpPr>
-          <p:cNvPr id="5" name="Footer Placeholder 4">
-            <a:extLst>
-              <a:ext uri="{FF2B5EF4-FFF2-40B4-BE49-F238E27FC236}">
-                <a16:creationId xmlns:a16="http://schemas.microsoft.com/office/drawing/2014/main" id="{96FB7A01-1C79-7718-857E-AAAD3A15A4F6}"/>
-              </a:ext>
-            </a:extLst>
-          </p:cNvPr>
+          <p:cNvPr id="5" name="Footer Placeholder 4"/>
           <p:cNvSpPr>
             <a:spLocks noGrp="1"/>
           </p:cNvSpPr>
@@ -515,13 +707,7 @@
       </p:sp>
       <p:sp>
         <p:nvSpPr>
-          <p:cNvPr id="6" name="Slide Number Placeholder 5">
-            <a:extLst>
-              <a:ext uri="{FF2B5EF4-FFF2-40B4-BE49-F238E27FC236}">
-                <a16:creationId xmlns:a16="http://schemas.microsoft.com/office/drawing/2014/main" id="{41888890-2E2E-C622-B83A-CA8E42FC2606}"/>
-              </a:ext>
-            </a:extLst>
-          </p:cNvPr>
+          <p:cNvPr id="6" name="Slide Number Placeholder 5"/>
           <p:cNvSpPr>
             <a:spLocks noGrp="1"/>
           </p:cNvSpPr>
@@ -545,7 +731,7 @@
     </p:spTree>
     <p:extLst>
       <p:ext uri="{BB962C8B-B14F-4D97-AF65-F5344CB8AC3E}">
-        <p14:creationId xmlns:p14="http://schemas.microsoft.com/office/powerpoint/2010/main" val="1719233726"/>
+        <p14:creationId xmlns:p14="http://schemas.microsoft.com/office/powerpoint/2010/main" val="2445643740"/>
       </p:ext>
     </p:extLst>
   </p:cSld>
@@ -574,13 +760,7 @@
       </p:grpSpPr>
       <p:sp>
         <p:nvSpPr>
-          <p:cNvPr id="2" name="Title 1">
-            <a:extLst>
-              <a:ext uri="{FF2B5EF4-FFF2-40B4-BE49-F238E27FC236}">
-                <a16:creationId xmlns:a16="http://schemas.microsoft.com/office/drawing/2014/main" id="{551F14A4-5F62-6A44-35F1-0C28D2BF5D6D}"/>
-              </a:ext>
-            </a:extLst>
-          </p:cNvPr>
+          <p:cNvPr id="2" name="Title 1"/>
           <p:cNvSpPr>
             <a:spLocks noGrp="1"/>
           </p:cNvSpPr>
@@ -597,19 +777,13 @@
               <a:rPr lang="en-US"/>
               <a:t>Click to edit Master title style</a:t>
             </a:r>
-            <a:endParaRPr lang="en-GB"/>
-          </a:p>
-        </p:txBody>
-      </p:sp>
-      <p:sp>
-        <p:nvSpPr>
-          <p:cNvPr id="3" name="Vertical Text Placeholder 2">
-            <a:extLst>
-              <a:ext uri="{FF2B5EF4-FFF2-40B4-BE49-F238E27FC236}">
-                <a16:creationId xmlns:a16="http://schemas.microsoft.com/office/drawing/2014/main" id="{FB4651CE-095D-436E-F537-34B8A1AFB025}"/>
-              </a:ext>
-            </a:extLst>
-          </p:cNvPr>
+            <a:endParaRPr lang="en-US" dirty="0"/>
+          </a:p>
+        </p:txBody>
+      </p:sp>
+      <p:sp>
+        <p:nvSpPr>
+          <p:cNvPr id="3" name="Vertical Text Placeholder 2"/>
           <p:cNvSpPr>
             <a:spLocks noGrp="1"/>
           </p:cNvSpPr>
@@ -655,19 +829,13 @@
               <a:rPr lang="en-US"/>
               <a:t>Fifth level</a:t>
             </a:r>
-            <a:endParaRPr lang="en-GB"/>
-          </a:p>
-        </p:txBody>
-      </p:sp>
-      <p:sp>
-        <p:nvSpPr>
-          <p:cNvPr id="4" name="Date Placeholder 3">
-            <a:extLst>
-              <a:ext uri="{FF2B5EF4-FFF2-40B4-BE49-F238E27FC236}">
-                <a16:creationId xmlns:a16="http://schemas.microsoft.com/office/drawing/2014/main" id="{8BB4FDCE-8263-4439-BEB9-C112E1B0D691}"/>
-              </a:ext>
-            </a:extLst>
-          </p:cNvPr>
+            <a:endParaRPr lang="en-US" dirty="0"/>
+          </a:p>
+        </p:txBody>
+      </p:sp>
+      <p:sp>
+        <p:nvSpPr>
+          <p:cNvPr id="4" name="Date Placeholder 3"/>
           <p:cNvSpPr>
             <a:spLocks noGrp="1"/>
           </p:cNvSpPr>
@@ -682,7 +850,7 @@
           <a:p>
             <a:fld id="{29A97844-0301-4D63-AF48-6DAF4C72E940}" type="datetimeFigureOut">
               <a:rPr lang="en-GB" smtClean="0"/>
-              <a:t>19/06/2023</a:t>
+              <a:t>20/06/2023</a:t>
             </a:fld>
             <a:endParaRPr lang="en-GB"/>
           </a:p>
@@ -690,13 +858,7 @@
       </p:sp>
       <p:sp>
         <p:nvSpPr>
-          <p:cNvPr id="5" name="Footer Placeholder 4">
-            <a:extLst>
-              <a:ext uri="{FF2B5EF4-FFF2-40B4-BE49-F238E27FC236}">
-                <a16:creationId xmlns:a16="http://schemas.microsoft.com/office/drawing/2014/main" id="{49656780-A588-DA87-EB4C-CA25E0DB5F27}"/>
-              </a:ext>
-            </a:extLst>
-          </p:cNvPr>
+          <p:cNvPr id="5" name="Footer Placeholder 4"/>
           <p:cNvSpPr>
             <a:spLocks noGrp="1"/>
           </p:cNvSpPr>
@@ -715,13 +877,7 @@
       </p:sp>
       <p:sp>
         <p:nvSpPr>
-          <p:cNvPr id="6" name="Slide Number Placeholder 5">
-            <a:extLst>
-              <a:ext uri="{FF2B5EF4-FFF2-40B4-BE49-F238E27FC236}">
-                <a16:creationId xmlns:a16="http://schemas.microsoft.com/office/drawing/2014/main" id="{638DF4CE-3CEC-BB48-34DC-84E5AF39A5EC}"/>
-              </a:ext>
-            </a:extLst>
-          </p:cNvPr>
+          <p:cNvPr id="6" name="Slide Number Placeholder 5"/>
           <p:cNvSpPr>
             <a:spLocks noGrp="1"/>
           </p:cNvSpPr>
@@ -745,7 +901,7 @@
     </p:spTree>
     <p:extLst>
       <p:ext uri="{BB962C8B-B14F-4D97-AF65-F5344CB8AC3E}">
-        <p14:creationId xmlns:p14="http://schemas.microsoft.com/office/powerpoint/2010/main" val="3192168501"/>
+        <p14:creationId xmlns:p14="http://schemas.microsoft.com/office/powerpoint/2010/main" val="3929608813"/>
       </p:ext>
     </p:extLst>
   </p:cSld>
@@ -774,13 +930,7 @@
       </p:grpSpPr>
       <p:sp>
         <p:nvSpPr>
-          <p:cNvPr id="2" name="Vertical Title 1">
-            <a:extLst>
-              <a:ext uri="{FF2B5EF4-FFF2-40B4-BE49-F238E27FC236}">
-                <a16:creationId xmlns:a16="http://schemas.microsoft.com/office/drawing/2014/main" id="{09868E3B-902C-10C9-B431-D2B320922C8C}"/>
-              </a:ext>
-            </a:extLst>
-          </p:cNvPr>
+          <p:cNvPr id="2" name="Vertical Title 1"/>
           <p:cNvSpPr>
             <a:spLocks noGrp="1"/>
           </p:cNvSpPr>
@@ -790,8 +940,8 @@
         </p:nvSpPr>
         <p:spPr>
           <a:xfrm>
-            <a:off x="8724900" y="365125"/>
-            <a:ext cx="2628900" cy="5811838"/>
+            <a:off x="12881724" y="574987"/>
+            <a:ext cx="3881393" cy="9152300"/>
           </a:xfrm>
         </p:spPr>
         <p:txBody>
@@ -802,19 +952,13 @@
               <a:rPr lang="en-US"/>
               <a:t>Click to edit Master title style</a:t>
             </a:r>
-            <a:endParaRPr lang="en-GB"/>
-          </a:p>
-        </p:txBody>
-      </p:sp>
-      <p:sp>
-        <p:nvSpPr>
-          <p:cNvPr id="3" name="Vertical Text Placeholder 2">
-            <a:extLst>
-              <a:ext uri="{FF2B5EF4-FFF2-40B4-BE49-F238E27FC236}">
-                <a16:creationId xmlns:a16="http://schemas.microsoft.com/office/drawing/2014/main" id="{B0E69FEE-3C1A-1AD2-DCC4-BD7E04DD1D97}"/>
-              </a:ext>
-            </a:extLst>
-          </p:cNvPr>
+            <a:endParaRPr lang="en-US" dirty="0"/>
+          </a:p>
+        </p:txBody>
+      </p:sp>
+      <p:sp>
+        <p:nvSpPr>
+          <p:cNvPr id="3" name="Vertical Text Placeholder 2"/>
           <p:cNvSpPr>
             <a:spLocks noGrp="1"/>
           </p:cNvSpPr>
@@ -824,8 +968,8 @@
         </p:nvSpPr>
         <p:spPr>
           <a:xfrm>
-            <a:off x="838200" y="365125"/>
-            <a:ext cx="7734300" cy="5811838"/>
+            <a:off x="1237545" y="574987"/>
+            <a:ext cx="11419171" cy="9152300"/>
           </a:xfrm>
         </p:spPr>
         <p:txBody>
@@ -865,19 +1009,13 @@
               <a:rPr lang="en-US"/>
               <a:t>Fifth level</a:t>
             </a:r>
-            <a:endParaRPr lang="en-GB"/>
-          </a:p>
-        </p:txBody>
-      </p:sp>
-      <p:sp>
-        <p:nvSpPr>
-          <p:cNvPr id="4" name="Date Placeholder 3">
-            <a:extLst>
-              <a:ext uri="{FF2B5EF4-FFF2-40B4-BE49-F238E27FC236}">
-                <a16:creationId xmlns:a16="http://schemas.microsoft.com/office/drawing/2014/main" id="{3E28B332-0BFF-80EC-52A1-EF0FF9BA1493}"/>
-              </a:ext>
-            </a:extLst>
-          </p:cNvPr>
+            <a:endParaRPr lang="en-US" dirty="0"/>
+          </a:p>
+        </p:txBody>
+      </p:sp>
+      <p:sp>
+        <p:nvSpPr>
+          <p:cNvPr id="4" name="Date Placeholder 3"/>
           <p:cNvSpPr>
             <a:spLocks noGrp="1"/>
           </p:cNvSpPr>
@@ -892,7 +1030,7 @@
           <a:p>
             <a:fld id="{29A97844-0301-4D63-AF48-6DAF4C72E940}" type="datetimeFigureOut">
               <a:rPr lang="en-GB" smtClean="0"/>
-              <a:t>19/06/2023</a:t>
+              <a:t>20/06/2023</a:t>
             </a:fld>
             <a:endParaRPr lang="en-GB"/>
           </a:p>
@@ -900,13 +1038,7 @@
       </p:sp>
       <p:sp>
         <p:nvSpPr>
-          <p:cNvPr id="5" name="Footer Placeholder 4">
-            <a:extLst>
-              <a:ext uri="{FF2B5EF4-FFF2-40B4-BE49-F238E27FC236}">
-                <a16:creationId xmlns:a16="http://schemas.microsoft.com/office/drawing/2014/main" id="{E08CEE5E-5D82-DB87-8F3D-4CFBF653FE65}"/>
-              </a:ext>
-            </a:extLst>
-          </p:cNvPr>
+          <p:cNvPr id="5" name="Footer Placeholder 4"/>
           <p:cNvSpPr>
             <a:spLocks noGrp="1"/>
           </p:cNvSpPr>
@@ -925,13 +1057,7 @@
       </p:sp>
       <p:sp>
         <p:nvSpPr>
-          <p:cNvPr id="6" name="Slide Number Placeholder 5">
-            <a:extLst>
-              <a:ext uri="{FF2B5EF4-FFF2-40B4-BE49-F238E27FC236}">
-                <a16:creationId xmlns:a16="http://schemas.microsoft.com/office/drawing/2014/main" id="{E0D0B928-72F6-75C9-375E-D39A8CBC0FF0}"/>
-              </a:ext>
-            </a:extLst>
-          </p:cNvPr>
+          <p:cNvPr id="6" name="Slide Number Placeholder 5"/>
           <p:cNvSpPr>
             <a:spLocks noGrp="1"/>
           </p:cNvSpPr>
@@ -955,7 +1081,7 @@
     </p:spTree>
     <p:extLst>
       <p:ext uri="{BB962C8B-B14F-4D97-AF65-F5344CB8AC3E}">
-        <p14:creationId xmlns:p14="http://schemas.microsoft.com/office/powerpoint/2010/main" val="3357566337"/>
+        <p14:creationId xmlns:p14="http://schemas.microsoft.com/office/powerpoint/2010/main" val="2261975394"/>
       </p:ext>
     </p:extLst>
   </p:cSld>
@@ -984,13 +1110,7 @@
       </p:grpSpPr>
       <p:sp>
         <p:nvSpPr>
-          <p:cNvPr id="2" name="Title 1">
-            <a:extLst>
-              <a:ext uri="{FF2B5EF4-FFF2-40B4-BE49-F238E27FC236}">
-                <a16:creationId xmlns:a16="http://schemas.microsoft.com/office/drawing/2014/main" id="{DECDAF61-C616-CCE9-ACF4-52ACB4819120}"/>
-              </a:ext>
-            </a:extLst>
-          </p:cNvPr>
+          <p:cNvPr id="2" name="Title 1"/>
           <p:cNvSpPr>
             <a:spLocks noGrp="1"/>
           </p:cNvSpPr>
@@ -1007,19 +1127,13 @@
               <a:rPr lang="en-US"/>
               <a:t>Click to edit Master title style</a:t>
             </a:r>
-            <a:endParaRPr lang="en-GB"/>
-          </a:p>
-        </p:txBody>
-      </p:sp>
-      <p:sp>
-        <p:nvSpPr>
-          <p:cNvPr id="3" name="Content Placeholder 2">
-            <a:extLst>
-              <a:ext uri="{FF2B5EF4-FFF2-40B4-BE49-F238E27FC236}">
-                <a16:creationId xmlns:a16="http://schemas.microsoft.com/office/drawing/2014/main" id="{CF26FF25-775E-5E8E-8DF8-F7ADDA27E9BF}"/>
-              </a:ext>
-            </a:extLst>
-          </p:cNvPr>
+            <a:endParaRPr lang="en-US" dirty="0"/>
+          </a:p>
+        </p:txBody>
+      </p:sp>
+      <p:sp>
+        <p:nvSpPr>
+          <p:cNvPr id="3" name="Content Placeholder 2"/>
           <p:cNvSpPr>
             <a:spLocks noGrp="1"/>
           </p:cNvSpPr>
@@ -1065,19 +1179,13 @@
               <a:rPr lang="en-US"/>
               <a:t>Fifth level</a:t>
             </a:r>
-            <a:endParaRPr lang="en-GB"/>
-          </a:p>
-        </p:txBody>
-      </p:sp>
-      <p:sp>
-        <p:nvSpPr>
-          <p:cNvPr id="4" name="Date Placeholder 3">
-            <a:extLst>
-              <a:ext uri="{FF2B5EF4-FFF2-40B4-BE49-F238E27FC236}">
-                <a16:creationId xmlns:a16="http://schemas.microsoft.com/office/drawing/2014/main" id="{C5A8BDB0-87BC-F60B-A0FB-2C8AF8A40A1F}"/>
-              </a:ext>
-            </a:extLst>
-          </p:cNvPr>
+            <a:endParaRPr lang="en-US" dirty="0"/>
+          </a:p>
+        </p:txBody>
+      </p:sp>
+      <p:sp>
+        <p:nvSpPr>
+          <p:cNvPr id="4" name="Date Placeholder 3"/>
           <p:cNvSpPr>
             <a:spLocks noGrp="1"/>
           </p:cNvSpPr>
@@ -1092,7 +1200,7 @@
           <a:p>
             <a:fld id="{29A97844-0301-4D63-AF48-6DAF4C72E940}" type="datetimeFigureOut">
               <a:rPr lang="en-GB" smtClean="0"/>
-              <a:t>19/06/2023</a:t>
+              <a:t>20/06/2023</a:t>
             </a:fld>
             <a:endParaRPr lang="en-GB"/>
           </a:p>
@@ -1100,13 +1208,7 @@
       </p:sp>
       <p:sp>
         <p:nvSpPr>
-          <p:cNvPr id="5" name="Footer Placeholder 4">
-            <a:extLst>
-              <a:ext uri="{FF2B5EF4-FFF2-40B4-BE49-F238E27FC236}">
-                <a16:creationId xmlns:a16="http://schemas.microsoft.com/office/drawing/2014/main" id="{7DB0C415-399C-C63D-C6FF-4432C0DADE24}"/>
-              </a:ext>
-            </a:extLst>
-          </p:cNvPr>
+          <p:cNvPr id="5" name="Footer Placeholder 4"/>
           <p:cNvSpPr>
             <a:spLocks noGrp="1"/>
           </p:cNvSpPr>
@@ -1125,13 +1227,7 @@
       </p:sp>
       <p:sp>
         <p:nvSpPr>
-          <p:cNvPr id="6" name="Slide Number Placeholder 5">
-            <a:extLst>
-              <a:ext uri="{FF2B5EF4-FFF2-40B4-BE49-F238E27FC236}">
-                <a16:creationId xmlns:a16="http://schemas.microsoft.com/office/drawing/2014/main" id="{F23CC55C-5BA5-47FD-BBE5-BE443334B54B}"/>
-              </a:ext>
-            </a:extLst>
-          </p:cNvPr>
+          <p:cNvPr id="6" name="Slide Number Placeholder 5"/>
           <p:cNvSpPr>
             <a:spLocks noGrp="1"/>
           </p:cNvSpPr>
@@ -1155,7 +1251,7 @@
     </p:spTree>
     <p:extLst>
       <p:ext uri="{BB962C8B-B14F-4D97-AF65-F5344CB8AC3E}">
-        <p14:creationId xmlns:p14="http://schemas.microsoft.com/office/powerpoint/2010/main" val="2341183074"/>
+        <p14:creationId xmlns:p14="http://schemas.microsoft.com/office/powerpoint/2010/main" val="277095265"/>
       </p:ext>
     </p:extLst>
   </p:cSld>
@@ -1184,13 +1280,7 @@
       </p:grpSpPr>
       <p:sp>
         <p:nvSpPr>
-          <p:cNvPr id="2" name="Title 1">
-            <a:extLst>
-              <a:ext uri="{FF2B5EF4-FFF2-40B4-BE49-F238E27FC236}">
-                <a16:creationId xmlns:a16="http://schemas.microsoft.com/office/drawing/2014/main" id="{E1EA58B7-27B7-8D33-A7F7-EA60E85FFBB8}"/>
-              </a:ext>
-            </a:extLst>
-          </p:cNvPr>
+          <p:cNvPr id="2" name="Title 1"/>
           <p:cNvSpPr>
             <a:spLocks noGrp="1"/>
           </p:cNvSpPr>
@@ -1200,15 +1290,15 @@
         </p:nvSpPr>
         <p:spPr>
           <a:xfrm>
-            <a:off x="831850" y="1709738"/>
-            <a:ext cx="10515600" cy="2852737"/>
+            <a:off x="1228170" y="2692442"/>
+            <a:ext cx="15525572" cy="4492401"/>
           </a:xfrm>
         </p:spPr>
         <p:txBody>
           <a:bodyPr anchor="b"/>
           <a:lstStyle>
             <a:lvl1pPr>
-              <a:defRPr sz="6000"/>
+              <a:defRPr sz="8858"/>
             </a:lvl1pPr>
           </a:lstStyle>
           <a:p>
@@ -1216,19 +1306,13 @@
               <a:rPr lang="en-US"/>
               <a:t>Click to edit Master title style</a:t>
             </a:r>
-            <a:endParaRPr lang="en-GB"/>
-          </a:p>
-        </p:txBody>
-      </p:sp>
-      <p:sp>
-        <p:nvSpPr>
-          <p:cNvPr id="3" name="Text Placeholder 2">
-            <a:extLst>
-              <a:ext uri="{FF2B5EF4-FFF2-40B4-BE49-F238E27FC236}">
-                <a16:creationId xmlns:a16="http://schemas.microsoft.com/office/drawing/2014/main" id="{44EF7098-31AC-DCFC-6122-E1795E665C84}"/>
-              </a:ext>
-            </a:extLst>
-          </p:cNvPr>
+            <a:endParaRPr lang="en-US" dirty="0"/>
+          </a:p>
+        </p:txBody>
+      </p:sp>
+      <p:sp>
+        <p:nvSpPr>
+          <p:cNvPr id="3" name="Text Placeholder 2"/>
           <p:cNvSpPr>
             <a:spLocks noGrp="1"/>
           </p:cNvSpPr>
@@ -1238,8 +1322,8 @@
         </p:nvSpPr>
         <p:spPr>
           <a:xfrm>
-            <a:off x="831850" y="4589463"/>
-            <a:ext cx="10515600" cy="1500187"/>
+            <a:off x="1228170" y="7227343"/>
+            <a:ext cx="15525572" cy="2362447"/>
           </a:xfrm>
         </p:spPr>
         <p:txBody>
@@ -1247,7 +1331,7 @@
           <a:lstStyle>
             <a:lvl1pPr marL="0" indent="0">
               <a:buNone/>
-              <a:defRPr sz="2400">
+              <a:defRPr sz="3543">
                 <a:solidFill>
                   <a:schemeClr val="tx1">
                     <a:tint val="75000"/>
@@ -1255,9 +1339,9 @@
                 </a:solidFill>
               </a:defRPr>
             </a:lvl1pPr>
-            <a:lvl2pPr marL="457200" indent="0">
-              <a:buNone/>
-              <a:defRPr sz="2000">
+            <a:lvl2pPr marL="675010" indent="0">
+              <a:buNone/>
+              <a:defRPr sz="2953">
                 <a:solidFill>
                   <a:schemeClr val="tx1">
                     <a:tint val="75000"/>
@@ -1265,9 +1349,9 @@
                 </a:solidFill>
               </a:defRPr>
             </a:lvl2pPr>
-            <a:lvl3pPr marL="914400" indent="0">
-              <a:buNone/>
-              <a:defRPr sz="1800">
+            <a:lvl3pPr marL="1350020" indent="0">
+              <a:buNone/>
+              <a:defRPr sz="2658">
                 <a:solidFill>
                   <a:schemeClr val="tx1">
                     <a:tint val="75000"/>
@@ -1275,9 +1359,9 @@
                 </a:solidFill>
               </a:defRPr>
             </a:lvl3pPr>
-            <a:lvl4pPr marL="1371600" indent="0">
-              <a:buNone/>
-              <a:defRPr sz="1600">
+            <a:lvl4pPr marL="2025030" indent="0">
+              <a:buNone/>
+              <a:defRPr sz="2362">
                 <a:solidFill>
                   <a:schemeClr val="tx1">
                     <a:tint val="75000"/>
@@ -1285,9 +1369,9 @@
                 </a:solidFill>
               </a:defRPr>
             </a:lvl4pPr>
-            <a:lvl5pPr marL="1828800" indent="0">
-              <a:buNone/>
-              <a:defRPr sz="1600">
+            <a:lvl5pPr marL="2700040" indent="0">
+              <a:buNone/>
+              <a:defRPr sz="2362">
                 <a:solidFill>
                   <a:schemeClr val="tx1">
                     <a:tint val="75000"/>
@@ -1295,9 +1379,9 @@
                 </a:solidFill>
               </a:defRPr>
             </a:lvl5pPr>
-            <a:lvl6pPr marL="2286000" indent="0">
-              <a:buNone/>
-              <a:defRPr sz="1600">
+            <a:lvl6pPr marL="3375050" indent="0">
+              <a:buNone/>
+              <a:defRPr sz="2362">
                 <a:solidFill>
                   <a:schemeClr val="tx1">
                     <a:tint val="75000"/>
@@ -1305,9 +1389,9 @@
                 </a:solidFill>
               </a:defRPr>
             </a:lvl6pPr>
-            <a:lvl7pPr marL="2743200" indent="0">
-              <a:buNone/>
-              <a:defRPr sz="1600">
+            <a:lvl7pPr marL="4050060" indent="0">
+              <a:buNone/>
+              <a:defRPr sz="2362">
                 <a:solidFill>
                   <a:schemeClr val="tx1">
                     <a:tint val="75000"/>
@@ -1315,9 +1399,9 @@
                 </a:solidFill>
               </a:defRPr>
             </a:lvl7pPr>
-            <a:lvl8pPr marL="3200400" indent="0">
-              <a:buNone/>
-              <a:defRPr sz="1600">
+            <a:lvl8pPr marL="4725071" indent="0">
+              <a:buNone/>
+              <a:defRPr sz="2362">
                 <a:solidFill>
                   <a:schemeClr val="tx1">
                     <a:tint val="75000"/>
@@ -1325,9 +1409,9 @@
                 </a:solidFill>
               </a:defRPr>
             </a:lvl8pPr>
-            <a:lvl9pPr marL="3657600" indent="0">
-              <a:buNone/>
-              <a:defRPr sz="1600">
+            <a:lvl9pPr marL="5400081" indent="0">
+              <a:buNone/>
+              <a:defRPr sz="2362">
                 <a:solidFill>
                   <a:schemeClr val="tx1">
                     <a:tint val="75000"/>
@@ -1347,13 +1431,7 @@
       </p:sp>
       <p:sp>
         <p:nvSpPr>
-          <p:cNvPr id="4" name="Date Placeholder 3">
-            <a:extLst>
-              <a:ext uri="{FF2B5EF4-FFF2-40B4-BE49-F238E27FC236}">
-                <a16:creationId xmlns:a16="http://schemas.microsoft.com/office/drawing/2014/main" id="{0EBE58DD-9B84-5F33-EA3C-C5A3F0822DB1}"/>
-              </a:ext>
-            </a:extLst>
-          </p:cNvPr>
+          <p:cNvPr id="4" name="Date Placeholder 3"/>
           <p:cNvSpPr>
             <a:spLocks noGrp="1"/>
           </p:cNvSpPr>
@@ -1368,7 +1446,7 @@
           <a:p>
             <a:fld id="{29A97844-0301-4D63-AF48-6DAF4C72E940}" type="datetimeFigureOut">
               <a:rPr lang="en-GB" smtClean="0"/>
-              <a:t>19/06/2023</a:t>
+              <a:t>20/06/2023</a:t>
             </a:fld>
             <a:endParaRPr lang="en-GB"/>
           </a:p>
@@ -1376,13 +1454,7 @@
       </p:sp>
       <p:sp>
         <p:nvSpPr>
-          <p:cNvPr id="5" name="Footer Placeholder 4">
-            <a:extLst>
-              <a:ext uri="{FF2B5EF4-FFF2-40B4-BE49-F238E27FC236}">
-                <a16:creationId xmlns:a16="http://schemas.microsoft.com/office/drawing/2014/main" id="{8FCF1F7E-3ABB-8C27-B8F6-F70B4E5A3E21}"/>
-              </a:ext>
-            </a:extLst>
-          </p:cNvPr>
+          <p:cNvPr id="5" name="Footer Placeholder 4"/>
           <p:cNvSpPr>
             <a:spLocks noGrp="1"/>
           </p:cNvSpPr>
@@ -1401,13 +1473,7 @@
       </p:sp>
       <p:sp>
         <p:nvSpPr>
-          <p:cNvPr id="6" name="Slide Number Placeholder 5">
-            <a:extLst>
-              <a:ext uri="{FF2B5EF4-FFF2-40B4-BE49-F238E27FC236}">
-                <a16:creationId xmlns:a16="http://schemas.microsoft.com/office/drawing/2014/main" id="{08E9C107-D6D2-AE40-CCA0-5A267F58C813}"/>
-              </a:ext>
-            </a:extLst>
-          </p:cNvPr>
+          <p:cNvPr id="6" name="Slide Number Placeholder 5"/>
           <p:cNvSpPr>
             <a:spLocks noGrp="1"/>
           </p:cNvSpPr>
@@ -1431,7 +1497,7 @@
     </p:spTree>
     <p:extLst>
       <p:ext uri="{BB962C8B-B14F-4D97-AF65-F5344CB8AC3E}">
-        <p14:creationId xmlns:p14="http://schemas.microsoft.com/office/powerpoint/2010/main" val="3832655040"/>
+        <p14:creationId xmlns:p14="http://schemas.microsoft.com/office/powerpoint/2010/main" val="565721893"/>
       </p:ext>
     </p:extLst>
   </p:cSld>
@@ -1460,13 +1526,7 @@
       </p:grpSpPr>
       <p:sp>
         <p:nvSpPr>
-          <p:cNvPr id="2" name="Title 1">
-            <a:extLst>
-              <a:ext uri="{FF2B5EF4-FFF2-40B4-BE49-F238E27FC236}">
-                <a16:creationId xmlns:a16="http://schemas.microsoft.com/office/drawing/2014/main" id="{E7EFA79D-805E-D20B-9593-40E3C09DEA0E}"/>
-              </a:ext>
-            </a:extLst>
-          </p:cNvPr>
+          <p:cNvPr id="2" name="Title 1"/>
           <p:cNvSpPr>
             <a:spLocks noGrp="1"/>
           </p:cNvSpPr>
@@ -1483,19 +1543,13 @@
               <a:rPr lang="en-US"/>
               <a:t>Click to edit Master title style</a:t>
             </a:r>
-            <a:endParaRPr lang="en-GB"/>
-          </a:p>
-        </p:txBody>
-      </p:sp>
-      <p:sp>
-        <p:nvSpPr>
-          <p:cNvPr id="3" name="Content Placeholder 2">
-            <a:extLst>
-              <a:ext uri="{FF2B5EF4-FFF2-40B4-BE49-F238E27FC236}">
-                <a16:creationId xmlns:a16="http://schemas.microsoft.com/office/drawing/2014/main" id="{3CFB17B2-FC33-5FAF-F415-05D46E1BD448}"/>
-              </a:ext>
-            </a:extLst>
-          </p:cNvPr>
+            <a:endParaRPr lang="en-US" dirty="0"/>
+          </a:p>
+        </p:txBody>
+      </p:sp>
+      <p:sp>
+        <p:nvSpPr>
+          <p:cNvPr id="3" name="Content Placeholder 2"/>
           <p:cNvSpPr>
             <a:spLocks noGrp="1"/>
           </p:cNvSpPr>
@@ -1505,8 +1559,8 @@
         </p:nvSpPr>
         <p:spPr>
           <a:xfrm>
-            <a:off x="838200" y="1825625"/>
-            <a:ext cx="5181600" cy="4351338"/>
+            <a:off x="1237545" y="2874937"/>
+            <a:ext cx="7650282" cy="6852350"/>
           </a:xfrm>
         </p:spPr>
         <p:txBody>
@@ -1546,19 +1600,13 @@
               <a:rPr lang="en-US"/>
               <a:t>Fifth level</a:t>
             </a:r>
-            <a:endParaRPr lang="en-GB"/>
-          </a:p>
-        </p:txBody>
-      </p:sp>
-      <p:sp>
-        <p:nvSpPr>
-          <p:cNvPr id="4" name="Content Placeholder 3">
-            <a:extLst>
-              <a:ext uri="{FF2B5EF4-FFF2-40B4-BE49-F238E27FC236}">
-                <a16:creationId xmlns:a16="http://schemas.microsoft.com/office/drawing/2014/main" id="{4A14D356-3ED6-7194-5EDD-23B436399785}"/>
-              </a:ext>
-            </a:extLst>
-          </p:cNvPr>
+            <a:endParaRPr lang="en-US" dirty="0"/>
+          </a:p>
+        </p:txBody>
+      </p:sp>
+      <p:sp>
+        <p:nvSpPr>
+          <p:cNvPr id="4" name="Content Placeholder 3"/>
           <p:cNvSpPr>
             <a:spLocks noGrp="1"/>
           </p:cNvSpPr>
@@ -1568,8 +1616,8 @@
         </p:nvSpPr>
         <p:spPr>
           <a:xfrm>
-            <a:off x="6172200" y="1825625"/>
-            <a:ext cx="5181600" cy="4351338"/>
+            <a:off x="9112836" y="2874937"/>
+            <a:ext cx="7650282" cy="6852350"/>
           </a:xfrm>
         </p:spPr>
         <p:txBody>
@@ -1609,19 +1657,13 @@
               <a:rPr lang="en-US"/>
               <a:t>Fifth level</a:t>
             </a:r>
-            <a:endParaRPr lang="en-GB"/>
-          </a:p>
-        </p:txBody>
-      </p:sp>
-      <p:sp>
-        <p:nvSpPr>
-          <p:cNvPr id="5" name="Date Placeholder 4">
-            <a:extLst>
-              <a:ext uri="{FF2B5EF4-FFF2-40B4-BE49-F238E27FC236}">
-                <a16:creationId xmlns:a16="http://schemas.microsoft.com/office/drawing/2014/main" id="{0C17D7AA-21B6-F9F5-BB26-71A0570BD8E2}"/>
-              </a:ext>
-            </a:extLst>
-          </p:cNvPr>
+            <a:endParaRPr lang="en-US" dirty="0"/>
+          </a:p>
+        </p:txBody>
+      </p:sp>
+      <p:sp>
+        <p:nvSpPr>
+          <p:cNvPr id="5" name="Date Placeholder 4"/>
           <p:cNvSpPr>
             <a:spLocks noGrp="1"/>
           </p:cNvSpPr>
@@ -1636,7 +1678,7 @@
           <a:p>
             <a:fld id="{29A97844-0301-4D63-AF48-6DAF4C72E940}" type="datetimeFigureOut">
               <a:rPr lang="en-GB" smtClean="0"/>
-              <a:t>19/06/2023</a:t>
+              <a:t>20/06/2023</a:t>
             </a:fld>
             <a:endParaRPr lang="en-GB"/>
           </a:p>
@@ -1644,13 +1686,7 @@
       </p:sp>
       <p:sp>
         <p:nvSpPr>
-          <p:cNvPr id="6" name="Footer Placeholder 5">
-            <a:extLst>
-              <a:ext uri="{FF2B5EF4-FFF2-40B4-BE49-F238E27FC236}">
-                <a16:creationId xmlns:a16="http://schemas.microsoft.com/office/drawing/2014/main" id="{C4952BA2-6036-A2E2-157B-09EC9E4A1367}"/>
-              </a:ext>
-            </a:extLst>
-          </p:cNvPr>
+          <p:cNvPr id="6" name="Footer Placeholder 5"/>
           <p:cNvSpPr>
             <a:spLocks noGrp="1"/>
           </p:cNvSpPr>
@@ -1669,13 +1705,7 @@
       </p:sp>
       <p:sp>
         <p:nvSpPr>
-          <p:cNvPr id="7" name="Slide Number Placeholder 6">
-            <a:extLst>
-              <a:ext uri="{FF2B5EF4-FFF2-40B4-BE49-F238E27FC236}">
-                <a16:creationId xmlns:a16="http://schemas.microsoft.com/office/drawing/2014/main" id="{73CD6FBF-0B2E-0157-8751-83BD97EFEE57}"/>
-              </a:ext>
-            </a:extLst>
-          </p:cNvPr>
+          <p:cNvPr id="7" name="Slide Number Placeholder 6"/>
           <p:cNvSpPr>
             <a:spLocks noGrp="1"/>
           </p:cNvSpPr>
@@ -1699,7 +1729,7 @@
     </p:spTree>
     <p:extLst>
       <p:ext uri="{BB962C8B-B14F-4D97-AF65-F5344CB8AC3E}">
-        <p14:creationId xmlns:p14="http://schemas.microsoft.com/office/powerpoint/2010/main" val="693400122"/>
+        <p14:creationId xmlns:p14="http://schemas.microsoft.com/office/powerpoint/2010/main" val="79244714"/>
       </p:ext>
     </p:extLst>
   </p:cSld>
@@ -1728,13 +1758,7 @@
       </p:grpSpPr>
       <p:sp>
         <p:nvSpPr>
-          <p:cNvPr id="2" name="Title 1">
-            <a:extLst>
-              <a:ext uri="{FF2B5EF4-FFF2-40B4-BE49-F238E27FC236}">
-                <a16:creationId xmlns:a16="http://schemas.microsoft.com/office/drawing/2014/main" id="{2C089771-FE9E-DCA3-57C3-2BE3E2AD916D}"/>
-              </a:ext>
-            </a:extLst>
-          </p:cNvPr>
+          <p:cNvPr id="2" name="Title 1"/>
           <p:cNvSpPr>
             <a:spLocks noGrp="1"/>
           </p:cNvSpPr>
@@ -1744,8 +1768,8 @@
         </p:nvSpPr>
         <p:spPr>
           <a:xfrm>
-            <a:off x="839788" y="365125"/>
-            <a:ext cx="10515600" cy="1325563"/>
+            <a:off x="1239890" y="574988"/>
+            <a:ext cx="15525572" cy="2087455"/>
           </a:xfrm>
         </p:spPr>
         <p:txBody>
@@ -1756,19 +1780,13 @@
               <a:rPr lang="en-US"/>
               <a:t>Click to edit Master title style</a:t>
             </a:r>
-            <a:endParaRPr lang="en-GB"/>
-          </a:p>
-        </p:txBody>
-      </p:sp>
-      <p:sp>
-        <p:nvSpPr>
-          <p:cNvPr id="3" name="Text Placeholder 2">
-            <a:extLst>
-              <a:ext uri="{FF2B5EF4-FFF2-40B4-BE49-F238E27FC236}">
-                <a16:creationId xmlns:a16="http://schemas.microsoft.com/office/drawing/2014/main" id="{C8DE5D43-176A-49D2-75BF-E0BAAFF61093}"/>
-              </a:ext>
-            </a:extLst>
-          </p:cNvPr>
+            <a:endParaRPr lang="en-US" dirty="0"/>
+          </a:p>
+        </p:txBody>
+      </p:sp>
+      <p:sp>
+        <p:nvSpPr>
+          <p:cNvPr id="3" name="Text Placeholder 2"/>
           <p:cNvSpPr>
             <a:spLocks noGrp="1"/>
           </p:cNvSpPr>
@@ -1778,8 +1796,8 @@
         </p:nvSpPr>
         <p:spPr>
           <a:xfrm>
-            <a:off x="839788" y="1681163"/>
-            <a:ext cx="5157787" cy="823912"/>
+            <a:off x="1239891" y="2647443"/>
+            <a:ext cx="7615123" cy="1297471"/>
           </a:xfrm>
         </p:spPr>
         <p:txBody>
@@ -1787,39 +1805,39 @@
           <a:lstStyle>
             <a:lvl1pPr marL="0" indent="0">
               <a:buNone/>
-              <a:defRPr sz="2400" b="1"/>
+              <a:defRPr sz="3543" b="1"/>
             </a:lvl1pPr>
-            <a:lvl2pPr marL="457200" indent="0">
-              <a:buNone/>
-              <a:defRPr sz="2000" b="1"/>
+            <a:lvl2pPr marL="675010" indent="0">
+              <a:buNone/>
+              <a:defRPr sz="2953" b="1"/>
             </a:lvl2pPr>
-            <a:lvl3pPr marL="914400" indent="0">
-              <a:buNone/>
-              <a:defRPr sz="1800" b="1"/>
+            <a:lvl3pPr marL="1350020" indent="0">
+              <a:buNone/>
+              <a:defRPr sz="2658" b="1"/>
             </a:lvl3pPr>
-            <a:lvl4pPr marL="1371600" indent="0">
-              <a:buNone/>
-              <a:defRPr sz="1600" b="1"/>
+            <a:lvl4pPr marL="2025030" indent="0">
+              <a:buNone/>
+              <a:defRPr sz="2362" b="1"/>
             </a:lvl4pPr>
-            <a:lvl5pPr marL="1828800" indent="0">
-              <a:buNone/>
-              <a:defRPr sz="1600" b="1"/>
+            <a:lvl5pPr marL="2700040" indent="0">
+              <a:buNone/>
+              <a:defRPr sz="2362" b="1"/>
             </a:lvl5pPr>
-            <a:lvl6pPr marL="2286000" indent="0">
-              <a:buNone/>
-              <a:defRPr sz="1600" b="1"/>
+            <a:lvl6pPr marL="3375050" indent="0">
+              <a:buNone/>
+              <a:defRPr sz="2362" b="1"/>
             </a:lvl6pPr>
-            <a:lvl7pPr marL="2743200" indent="0">
-              <a:buNone/>
-              <a:defRPr sz="1600" b="1"/>
+            <a:lvl7pPr marL="4050060" indent="0">
+              <a:buNone/>
+              <a:defRPr sz="2362" b="1"/>
             </a:lvl7pPr>
-            <a:lvl8pPr marL="3200400" indent="0">
-              <a:buNone/>
-              <a:defRPr sz="1600" b="1"/>
+            <a:lvl8pPr marL="4725071" indent="0">
+              <a:buNone/>
+              <a:defRPr sz="2362" b="1"/>
             </a:lvl8pPr>
-            <a:lvl9pPr marL="3657600" indent="0">
-              <a:buNone/>
-              <a:defRPr sz="1600" b="1"/>
+            <a:lvl9pPr marL="5400081" indent="0">
+              <a:buNone/>
+              <a:defRPr sz="2362" b="1"/>
             </a:lvl9pPr>
           </a:lstStyle>
           <a:p>
@@ -1833,13 +1851,7 @@
       </p:sp>
       <p:sp>
         <p:nvSpPr>
-          <p:cNvPr id="4" name="Content Placeholder 3">
-            <a:extLst>
-              <a:ext uri="{FF2B5EF4-FFF2-40B4-BE49-F238E27FC236}">
-                <a16:creationId xmlns:a16="http://schemas.microsoft.com/office/drawing/2014/main" id="{FC07D54A-96E7-202C-6ACA-B5F250C69BE8}"/>
-              </a:ext>
-            </a:extLst>
-          </p:cNvPr>
+          <p:cNvPr id="4" name="Content Placeholder 3"/>
           <p:cNvSpPr>
             <a:spLocks noGrp="1"/>
           </p:cNvSpPr>
@@ -1849,8 +1861,8 @@
         </p:nvSpPr>
         <p:spPr>
           <a:xfrm>
-            <a:off x="839788" y="2505075"/>
-            <a:ext cx="5157787" cy="3684588"/>
+            <a:off x="1239891" y="3944914"/>
+            <a:ext cx="7615123" cy="5802373"/>
           </a:xfrm>
         </p:spPr>
         <p:txBody>
@@ -1890,19 +1902,13 @@
               <a:rPr lang="en-US"/>
               <a:t>Fifth level</a:t>
             </a:r>
-            <a:endParaRPr lang="en-GB"/>
-          </a:p>
-        </p:txBody>
-      </p:sp>
-      <p:sp>
-        <p:nvSpPr>
-          <p:cNvPr id="5" name="Text Placeholder 4">
-            <a:extLst>
-              <a:ext uri="{FF2B5EF4-FFF2-40B4-BE49-F238E27FC236}">
-                <a16:creationId xmlns:a16="http://schemas.microsoft.com/office/drawing/2014/main" id="{48B496A4-F579-3CD3-EC70-34C6B300B404}"/>
-              </a:ext>
-            </a:extLst>
-          </p:cNvPr>
+            <a:endParaRPr lang="en-US" dirty="0"/>
+          </a:p>
+        </p:txBody>
+      </p:sp>
+      <p:sp>
+        <p:nvSpPr>
+          <p:cNvPr id="5" name="Text Placeholder 4"/>
           <p:cNvSpPr>
             <a:spLocks noGrp="1"/>
           </p:cNvSpPr>
@@ -1912,8 +1918,8 @@
         </p:nvSpPr>
         <p:spPr>
           <a:xfrm>
-            <a:off x="6172200" y="1681163"/>
-            <a:ext cx="5183188" cy="823912"/>
+            <a:off x="9112836" y="2647443"/>
+            <a:ext cx="7652626" cy="1297471"/>
           </a:xfrm>
         </p:spPr>
         <p:txBody>
@@ -1921,39 +1927,39 @@
           <a:lstStyle>
             <a:lvl1pPr marL="0" indent="0">
               <a:buNone/>
-              <a:defRPr sz="2400" b="1"/>
+              <a:defRPr sz="3543" b="1"/>
             </a:lvl1pPr>
-            <a:lvl2pPr marL="457200" indent="0">
-              <a:buNone/>
-              <a:defRPr sz="2000" b="1"/>
+            <a:lvl2pPr marL="675010" indent="0">
+              <a:buNone/>
+              <a:defRPr sz="2953" b="1"/>
             </a:lvl2pPr>
-            <a:lvl3pPr marL="914400" indent="0">
-              <a:buNone/>
-              <a:defRPr sz="1800" b="1"/>
+            <a:lvl3pPr marL="1350020" indent="0">
+              <a:buNone/>
+              <a:defRPr sz="2658" b="1"/>
             </a:lvl3pPr>
-            <a:lvl4pPr marL="1371600" indent="0">
-              <a:buNone/>
-              <a:defRPr sz="1600" b="1"/>
+            <a:lvl4pPr marL="2025030" indent="0">
+              <a:buNone/>
+              <a:defRPr sz="2362" b="1"/>
             </a:lvl4pPr>
-            <a:lvl5pPr marL="1828800" indent="0">
-              <a:buNone/>
-              <a:defRPr sz="1600" b="1"/>
+            <a:lvl5pPr marL="2700040" indent="0">
+              <a:buNone/>
+              <a:defRPr sz="2362" b="1"/>
             </a:lvl5pPr>
-            <a:lvl6pPr marL="2286000" indent="0">
-              <a:buNone/>
-              <a:defRPr sz="1600" b="1"/>
+            <a:lvl6pPr marL="3375050" indent="0">
+              <a:buNone/>
+              <a:defRPr sz="2362" b="1"/>
             </a:lvl6pPr>
-            <a:lvl7pPr marL="2743200" indent="0">
-              <a:buNone/>
-              <a:defRPr sz="1600" b="1"/>
+            <a:lvl7pPr marL="4050060" indent="0">
+              <a:buNone/>
+              <a:defRPr sz="2362" b="1"/>
             </a:lvl7pPr>
-            <a:lvl8pPr marL="3200400" indent="0">
-              <a:buNone/>
-              <a:defRPr sz="1600" b="1"/>
+            <a:lvl8pPr marL="4725071" indent="0">
+              <a:buNone/>
+              <a:defRPr sz="2362" b="1"/>
             </a:lvl8pPr>
-            <a:lvl9pPr marL="3657600" indent="0">
-              <a:buNone/>
-              <a:defRPr sz="1600" b="1"/>
+            <a:lvl9pPr marL="5400081" indent="0">
+              <a:buNone/>
+              <a:defRPr sz="2362" b="1"/>
             </a:lvl9pPr>
           </a:lstStyle>
           <a:p>
@@ -1967,13 +1973,7 @@
       </p:sp>
       <p:sp>
         <p:nvSpPr>
-          <p:cNvPr id="6" name="Content Placeholder 5">
-            <a:extLst>
-              <a:ext uri="{FF2B5EF4-FFF2-40B4-BE49-F238E27FC236}">
-                <a16:creationId xmlns:a16="http://schemas.microsoft.com/office/drawing/2014/main" id="{3C32C137-236B-31EF-5F61-945A1A1E1DD2}"/>
-              </a:ext>
-            </a:extLst>
-          </p:cNvPr>
+          <p:cNvPr id="6" name="Content Placeholder 5"/>
           <p:cNvSpPr>
             <a:spLocks noGrp="1"/>
           </p:cNvSpPr>
@@ -1983,8 +1983,8 @@
         </p:nvSpPr>
         <p:spPr>
           <a:xfrm>
-            <a:off x="6172200" y="2505075"/>
-            <a:ext cx="5183188" cy="3684588"/>
+            <a:off x="9112836" y="3944914"/>
+            <a:ext cx="7652626" cy="5802373"/>
           </a:xfrm>
         </p:spPr>
         <p:txBody>
@@ -2024,19 +2024,13 @@
               <a:rPr lang="en-US"/>
               <a:t>Fifth level</a:t>
             </a:r>
-            <a:endParaRPr lang="en-GB"/>
-          </a:p>
-        </p:txBody>
-      </p:sp>
-      <p:sp>
-        <p:nvSpPr>
-          <p:cNvPr id="7" name="Date Placeholder 6">
-            <a:extLst>
-              <a:ext uri="{FF2B5EF4-FFF2-40B4-BE49-F238E27FC236}">
-                <a16:creationId xmlns:a16="http://schemas.microsoft.com/office/drawing/2014/main" id="{108E991D-4725-826A-B744-4923E30BF291}"/>
-              </a:ext>
-            </a:extLst>
-          </p:cNvPr>
+            <a:endParaRPr lang="en-US" dirty="0"/>
+          </a:p>
+        </p:txBody>
+      </p:sp>
+      <p:sp>
+        <p:nvSpPr>
+          <p:cNvPr id="7" name="Date Placeholder 6"/>
           <p:cNvSpPr>
             <a:spLocks noGrp="1"/>
           </p:cNvSpPr>
@@ -2051,7 +2045,7 @@
           <a:p>
             <a:fld id="{29A97844-0301-4D63-AF48-6DAF4C72E940}" type="datetimeFigureOut">
               <a:rPr lang="en-GB" smtClean="0"/>
-              <a:t>19/06/2023</a:t>
+              <a:t>20/06/2023</a:t>
             </a:fld>
             <a:endParaRPr lang="en-GB"/>
           </a:p>
@@ -2059,13 +2053,7 @@
       </p:sp>
       <p:sp>
         <p:nvSpPr>
-          <p:cNvPr id="8" name="Footer Placeholder 7">
-            <a:extLst>
-              <a:ext uri="{FF2B5EF4-FFF2-40B4-BE49-F238E27FC236}">
-                <a16:creationId xmlns:a16="http://schemas.microsoft.com/office/drawing/2014/main" id="{FF3E940E-2206-4B7F-B128-2C1D738BFB18}"/>
-              </a:ext>
-            </a:extLst>
-          </p:cNvPr>
+          <p:cNvPr id="8" name="Footer Placeholder 7"/>
           <p:cNvSpPr>
             <a:spLocks noGrp="1"/>
           </p:cNvSpPr>
@@ -2084,13 +2072,7 @@
       </p:sp>
       <p:sp>
         <p:nvSpPr>
-          <p:cNvPr id="9" name="Slide Number Placeholder 8">
-            <a:extLst>
-              <a:ext uri="{FF2B5EF4-FFF2-40B4-BE49-F238E27FC236}">
-                <a16:creationId xmlns:a16="http://schemas.microsoft.com/office/drawing/2014/main" id="{E2FE423C-25A4-CC15-114C-11AE9030A18C}"/>
-              </a:ext>
-            </a:extLst>
-          </p:cNvPr>
+          <p:cNvPr id="9" name="Slide Number Placeholder 8"/>
           <p:cNvSpPr>
             <a:spLocks noGrp="1"/>
           </p:cNvSpPr>
@@ -2114,7 +2096,7 @@
     </p:spTree>
     <p:extLst>
       <p:ext uri="{BB962C8B-B14F-4D97-AF65-F5344CB8AC3E}">
-        <p14:creationId xmlns:p14="http://schemas.microsoft.com/office/powerpoint/2010/main" val="1045098322"/>
+        <p14:creationId xmlns:p14="http://schemas.microsoft.com/office/powerpoint/2010/main" val="2020885696"/>
       </p:ext>
     </p:extLst>
   </p:cSld>
@@ -2143,13 +2125,7 @@
       </p:grpSpPr>
       <p:sp>
         <p:nvSpPr>
-          <p:cNvPr id="2" name="Title 1">
-            <a:extLst>
-              <a:ext uri="{FF2B5EF4-FFF2-40B4-BE49-F238E27FC236}">
-                <a16:creationId xmlns:a16="http://schemas.microsoft.com/office/drawing/2014/main" id="{202DABF1-7405-1B03-A68F-E330ABB4B614}"/>
-              </a:ext>
-            </a:extLst>
-          </p:cNvPr>
+          <p:cNvPr id="2" name="Title 1"/>
           <p:cNvSpPr>
             <a:spLocks noGrp="1"/>
           </p:cNvSpPr>
@@ -2166,19 +2142,13 @@
               <a:rPr lang="en-US"/>
               <a:t>Click to edit Master title style</a:t>
             </a:r>
-            <a:endParaRPr lang="en-GB"/>
-          </a:p>
-        </p:txBody>
-      </p:sp>
-      <p:sp>
-        <p:nvSpPr>
-          <p:cNvPr id="3" name="Date Placeholder 2">
-            <a:extLst>
-              <a:ext uri="{FF2B5EF4-FFF2-40B4-BE49-F238E27FC236}">
-                <a16:creationId xmlns:a16="http://schemas.microsoft.com/office/drawing/2014/main" id="{7F402607-313F-1A8C-3FA0-666F69F0C438}"/>
-              </a:ext>
-            </a:extLst>
-          </p:cNvPr>
+            <a:endParaRPr lang="en-US" dirty="0"/>
+          </a:p>
+        </p:txBody>
+      </p:sp>
+      <p:sp>
+        <p:nvSpPr>
+          <p:cNvPr id="3" name="Date Placeholder 2"/>
           <p:cNvSpPr>
             <a:spLocks noGrp="1"/>
           </p:cNvSpPr>
@@ -2193,7 +2163,7 @@
           <a:p>
             <a:fld id="{29A97844-0301-4D63-AF48-6DAF4C72E940}" type="datetimeFigureOut">
               <a:rPr lang="en-GB" smtClean="0"/>
-              <a:t>19/06/2023</a:t>
+              <a:t>20/06/2023</a:t>
             </a:fld>
             <a:endParaRPr lang="en-GB"/>
           </a:p>
@@ -2201,13 +2171,7 @@
       </p:sp>
       <p:sp>
         <p:nvSpPr>
-          <p:cNvPr id="4" name="Footer Placeholder 3">
-            <a:extLst>
-              <a:ext uri="{FF2B5EF4-FFF2-40B4-BE49-F238E27FC236}">
-                <a16:creationId xmlns:a16="http://schemas.microsoft.com/office/drawing/2014/main" id="{655796A4-03F9-5D09-5162-7614613266E0}"/>
-              </a:ext>
-            </a:extLst>
-          </p:cNvPr>
+          <p:cNvPr id="4" name="Footer Placeholder 3"/>
           <p:cNvSpPr>
             <a:spLocks noGrp="1"/>
           </p:cNvSpPr>
@@ -2226,13 +2190,7 @@
       </p:sp>
       <p:sp>
         <p:nvSpPr>
-          <p:cNvPr id="5" name="Slide Number Placeholder 4">
-            <a:extLst>
-              <a:ext uri="{FF2B5EF4-FFF2-40B4-BE49-F238E27FC236}">
-                <a16:creationId xmlns:a16="http://schemas.microsoft.com/office/drawing/2014/main" id="{856B9851-7E33-39D9-5DD0-8D2F12AF5CA4}"/>
-              </a:ext>
-            </a:extLst>
-          </p:cNvPr>
+          <p:cNvPr id="5" name="Slide Number Placeholder 4"/>
           <p:cNvSpPr>
             <a:spLocks noGrp="1"/>
           </p:cNvSpPr>
@@ -2256,7 +2214,7 @@
     </p:spTree>
     <p:extLst>
       <p:ext uri="{BB962C8B-B14F-4D97-AF65-F5344CB8AC3E}">
-        <p14:creationId xmlns:p14="http://schemas.microsoft.com/office/powerpoint/2010/main" val="3554338141"/>
+        <p14:creationId xmlns:p14="http://schemas.microsoft.com/office/powerpoint/2010/main" val="2651441135"/>
       </p:ext>
     </p:extLst>
   </p:cSld>
@@ -2285,13 +2243,7 @@
       </p:grpSpPr>
       <p:sp>
         <p:nvSpPr>
-          <p:cNvPr id="2" name="Date Placeholder 1">
-            <a:extLst>
-              <a:ext uri="{FF2B5EF4-FFF2-40B4-BE49-F238E27FC236}">
-                <a16:creationId xmlns:a16="http://schemas.microsoft.com/office/drawing/2014/main" id="{378D40FF-D5FA-D616-3B65-30D17675BF95}"/>
-              </a:ext>
-            </a:extLst>
-          </p:cNvPr>
+          <p:cNvPr id="2" name="Date Placeholder 1"/>
           <p:cNvSpPr>
             <a:spLocks noGrp="1"/>
           </p:cNvSpPr>
@@ -2306,7 +2258,7 @@
           <a:p>
             <a:fld id="{29A97844-0301-4D63-AF48-6DAF4C72E940}" type="datetimeFigureOut">
               <a:rPr lang="en-GB" smtClean="0"/>
-              <a:t>19/06/2023</a:t>
+              <a:t>20/06/2023</a:t>
             </a:fld>
             <a:endParaRPr lang="en-GB"/>
           </a:p>
@@ -2314,13 +2266,7 @@
       </p:sp>
       <p:sp>
         <p:nvSpPr>
-          <p:cNvPr id="3" name="Footer Placeholder 2">
-            <a:extLst>
-              <a:ext uri="{FF2B5EF4-FFF2-40B4-BE49-F238E27FC236}">
-                <a16:creationId xmlns:a16="http://schemas.microsoft.com/office/drawing/2014/main" id="{DE403929-98E6-C4E1-3F49-E42840B7038E}"/>
-              </a:ext>
-            </a:extLst>
-          </p:cNvPr>
+          <p:cNvPr id="3" name="Footer Placeholder 2"/>
           <p:cNvSpPr>
             <a:spLocks noGrp="1"/>
           </p:cNvSpPr>
@@ -2339,13 +2285,7 @@
       </p:sp>
       <p:sp>
         <p:nvSpPr>
-          <p:cNvPr id="4" name="Slide Number Placeholder 3">
-            <a:extLst>
-              <a:ext uri="{FF2B5EF4-FFF2-40B4-BE49-F238E27FC236}">
-                <a16:creationId xmlns:a16="http://schemas.microsoft.com/office/drawing/2014/main" id="{0DD24AD8-5926-6CB7-0E83-E416B9F8B50A}"/>
-              </a:ext>
-            </a:extLst>
-          </p:cNvPr>
+          <p:cNvPr id="4" name="Slide Number Placeholder 3"/>
           <p:cNvSpPr>
             <a:spLocks noGrp="1"/>
           </p:cNvSpPr>
@@ -2369,7 +2309,7 @@
     </p:spTree>
     <p:extLst>
       <p:ext uri="{BB962C8B-B14F-4D97-AF65-F5344CB8AC3E}">
-        <p14:creationId xmlns:p14="http://schemas.microsoft.com/office/powerpoint/2010/main" val="2998217851"/>
+        <p14:creationId xmlns:p14="http://schemas.microsoft.com/office/powerpoint/2010/main" val="813538125"/>
       </p:ext>
     </p:extLst>
   </p:cSld>
@@ -2398,13 +2338,7 @@
       </p:grpSpPr>
       <p:sp>
         <p:nvSpPr>
-          <p:cNvPr id="2" name="Title 1">
-            <a:extLst>
-              <a:ext uri="{FF2B5EF4-FFF2-40B4-BE49-F238E27FC236}">
-                <a16:creationId xmlns:a16="http://schemas.microsoft.com/office/drawing/2014/main" id="{F8CC13CE-0F78-4AED-C6AD-AE3765AF9EC6}"/>
-              </a:ext>
-            </a:extLst>
-          </p:cNvPr>
+          <p:cNvPr id="2" name="Title 1"/>
           <p:cNvSpPr>
             <a:spLocks noGrp="1"/>
           </p:cNvSpPr>
@@ -2414,15 +2348,15 @@
         </p:nvSpPr>
         <p:spPr>
           <a:xfrm>
-            <a:off x="839788" y="457200"/>
-            <a:ext cx="3932237" cy="1600200"/>
+            <a:off x="1239891" y="719984"/>
+            <a:ext cx="5805682" cy="2519945"/>
           </a:xfrm>
         </p:spPr>
         <p:txBody>
           <a:bodyPr anchor="b"/>
           <a:lstStyle>
             <a:lvl1pPr>
-              <a:defRPr sz="3200"/>
+              <a:defRPr sz="4724"/>
             </a:lvl1pPr>
           </a:lstStyle>
           <a:p>
@@ -2430,19 +2364,13 @@
               <a:rPr lang="en-US"/>
               <a:t>Click to edit Master title style</a:t>
             </a:r>
-            <a:endParaRPr lang="en-GB"/>
-          </a:p>
-        </p:txBody>
-      </p:sp>
-      <p:sp>
-        <p:nvSpPr>
-          <p:cNvPr id="3" name="Content Placeholder 2">
-            <a:extLst>
-              <a:ext uri="{FF2B5EF4-FFF2-40B4-BE49-F238E27FC236}">
-                <a16:creationId xmlns:a16="http://schemas.microsoft.com/office/drawing/2014/main" id="{62CE14BC-B897-937D-A946-D8799ADD55DA}"/>
-              </a:ext>
-            </a:extLst>
-          </p:cNvPr>
+            <a:endParaRPr lang="en-US" dirty="0"/>
+          </a:p>
+        </p:txBody>
+      </p:sp>
+      <p:sp>
+        <p:nvSpPr>
+          <p:cNvPr id="3" name="Content Placeholder 2"/>
           <p:cNvSpPr>
             <a:spLocks noGrp="1"/>
           </p:cNvSpPr>
@@ -2452,39 +2380,39 @@
         </p:nvSpPr>
         <p:spPr>
           <a:xfrm>
-            <a:off x="5183188" y="987425"/>
-            <a:ext cx="6172200" cy="4873625"/>
+            <a:off x="7652626" y="1554966"/>
+            <a:ext cx="9112836" cy="7674832"/>
           </a:xfrm>
         </p:spPr>
         <p:txBody>
           <a:bodyPr/>
           <a:lstStyle>
             <a:lvl1pPr>
-              <a:defRPr sz="3200"/>
+              <a:defRPr sz="4724"/>
             </a:lvl1pPr>
             <a:lvl2pPr>
-              <a:defRPr sz="2800"/>
+              <a:defRPr sz="4134"/>
             </a:lvl2pPr>
             <a:lvl3pPr>
-              <a:defRPr sz="2400"/>
+              <a:defRPr sz="3543"/>
             </a:lvl3pPr>
             <a:lvl4pPr>
-              <a:defRPr sz="2000"/>
+              <a:defRPr sz="2953"/>
             </a:lvl4pPr>
             <a:lvl5pPr>
-              <a:defRPr sz="2000"/>
+              <a:defRPr sz="2953"/>
             </a:lvl5pPr>
             <a:lvl6pPr>
-              <a:defRPr sz="2000"/>
+              <a:defRPr sz="2953"/>
             </a:lvl6pPr>
             <a:lvl7pPr>
-              <a:defRPr sz="2000"/>
+              <a:defRPr sz="2953"/>
             </a:lvl7pPr>
             <a:lvl8pPr>
-              <a:defRPr sz="2000"/>
+              <a:defRPr sz="2953"/>
             </a:lvl8pPr>
             <a:lvl9pPr>
-              <a:defRPr sz="2000"/>
+              <a:defRPr sz="2953"/>
             </a:lvl9pPr>
           </a:lstStyle>
           <a:p>
@@ -2521,19 +2449,13 @@
               <a:rPr lang="en-US"/>
               <a:t>Fifth level</a:t>
             </a:r>
-            <a:endParaRPr lang="en-GB"/>
-          </a:p>
-        </p:txBody>
-      </p:sp>
-      <p:sp>
-        <p:nvSpPr>
-          <p:cNvPr id="4" name="Text Placeholder 3">
-            <a:extLst>
-              <a:ext uri="{FF2B5EF4-FFF2-40B4-BE49-F238E27FC236}">
-                <a16:creationId xmlns:a16="http://schemas.microsoft.com/office/drawing/2014/main" id="{F83FFAB2-4315-D459-6AE1-7458100C9808}"/>
-              </a:ext>
-            </a:extLst>
-          </p:cNvPr>
+            <a:endParaRPr lang="en-US" dirty="0"/>
+          </a:p>
+        </p:txBody>
+      </p:sp>
+      <p:sp>
+        <p:nvSpPr>
+          <p:cNvPr id="4" name="Text Placeholder 3"/>
           <p:cNvSpPr>
             <a:spLocks noGrp="1"/>
           </p:cNvSpPr>
@@ -2543,8 +2465,8 @@
         </p:nvSpPr>
         <p:spPr>
           <a:xfrm>
-            <a:off x="839788" y="2057400"/>
-            <a:ext cx="3932237" cy="3811588"/>
+            <a:off x="1239891" y="3239929"/>
+            <a:ext cx="5805682" cy="6002369"/>
           </a:xfrm>
         </p:spPr>
         <p:txBody>
@@ -2552,39 +2474,39 @@
           <a:lstStyle>
             <a:lvl1pPr marL="0" indent="0">
               <a:buNone/>
-              <a:defRPr sz="1600"/>
+              <a:defRPr sz="2362"/>
             </a:lvl1pPr>
-            <a:lvl2pPr marL="457200" indent="0">
-              <a:buNone/>
-              <a:defRPr sz="1400"/>
+            <a:lvl2pPr marL="675010" indent="0">
+              <a:buNone/>
+              <a:defRPr sz="2067"/>
             </a:lvl2pPr>
-            <a:lvl3pPr marL="914400" indent="0">
-              <a:buNone/>
-              <a:defRPr sz="1200"/>
+            <a:lvl3pPr marL="1350020" indent="0">
+              <a:buNone/>
+              <a:defRPr sz="1772"/>
             </a:lvl3pPr>
-            <a:lvl4pPr marL="1371600" indent="0">
-              <a:buNone/>
-              <a:defRPr sz="1000"/>
+            <a:lvl4pPr marL="2025030" indent="0">
+              <a:buNone/>
+              <a:defRPr sz="1476"/>
             </a:lvl4pPr>
-            <a:lvl5pPr marL="1828800" indent="0">
-              <a:buNone/>
-              <a:defRPr sz="1000"/>
+            <a:lvl5pPr marL="2700040" indent="0">
+              <a:buNone/>
+              <a:defRPr sz="1476"/>
             </a:lvl5pPr>
-            <a:lvl6pPr marL="2286000" indent="0">
-              <a:buNone/>
-              <a:defRPr sz="1000"/>
+            <a:lvl6pPr marL="3375050" indent="0">
+              <a:buNone/>
+              <a:defRPr sz="1476"/>
             </a:lvl6pPr>
-            <a:lvl7pPr marL="2743200" indent="0">
-              <a:buNone/>
-              <a:defRPr sz="1000"/>
+            <a:lvl7pPr marL="4050060" indent="0">
+              <a:buNone/>
+              <a:defRPr sz="1476"/>
             </a:lvl7pPr>
-            <a:lvl8pPr marL="3200400" indent="0">
-              <a:buNone/>
-              <a:defRPr sz="1000"/>
+            <a:lvl8pPr marL="4725071" indent="0">
+              <a:buNone/>
+              <a:defRPr sz="1476"/>
             </a:lvl8pPr>
-            <a:lvl9pPr marL="3657600" indent="0">
-              <a:buNone/>
-              <a:defRPr sz="1000"/>
+            <a:lvl9pPr marL="5400081" indent="0">
+              <a:buNone/>
+              <a:defRPr sz="1476"/>
             </a:lvl9pPr>
           </a:lstStyle>
           <a:p>
@@ -2598,13 +2520,7 @@
       </p:sp>
       <p:sp>
         <p:nvSpPr>
-          <p:cNvPr id="5" name="Date Placeholder 4">
-            <a:extLst>
-              <a:ext uri="{FF2B5EF4-FFF2-40B4-BE49-F238E27FC236}">
-                <a16:creationId xmlns:a16="http://schemas.microsoft.com/office/drawing/2014/main" id="{B4DE85DF-4A4E-F4AE-454B-F325968C9E92}"/>
-              </a:ext>
-            </a:extLst>
-          </p:cNvPr>
+          <p:cNvPr id="5" name="Date Placeholder 4"/>
           <p:cNvSpPr>
             <a:spLocks noGrp="1"/>
           </p:cNvSpPr>
@@ -2619,7 +2535,7 @@
           <a:p>
             <a:fld id="{29A97844-0301-4D63-AF48-6DAF4C72E940}" type="datetimeFigureOut">
               <a:rPr lang="en-GB" smtClean="0"/>
-              <a:t>19/06/2023</a:t>
+              <a:t>20/06/2023</a:t>
             </a:fld>
             <a:endParaRPr lang="en-GB"/>
           </a:p>
@@ -2627,13 +2543,7 @@
       </p:sp>
       <p:sp>
         <p:nvSpPr>
-          <p:cNvPr id="6" name="Footer Placeholder 5">
-            <a:extLst>
-              <a:ext uri="{FF2B5EF4-FFF2-40B4-BE49-F238E27FC236}">
-                <a16:creationId xmlns:a16="http://schemas.microsoft.com/office/drawing/2014/main" id="{3E31999B-C61E-AC43-7451-C31FCBBA34DB}"/>
-              </a:ext>
-            </a:extLst>
-          </p:cNvPr>
+          <p:cNvPr id="6" name="Footer Placeholder 5"/>
           <p:cNvSpPr>
             <a:spLocks noGrp="1"/>
           </p:cNvSpPr>
@@ -2652,13 +2562,7 @@
       </p:sp>
       <p:sp>
         <p:nvSpPr>
-          <p:cNvPr id="7" name="Slide Number Placeholder 6">
-            <a:extLst>
-              <a:ext uri="{FF2B5EF4-FFF2-40B4-BE49-F238E27FC236}">
-                <a16:creationId xmlns:a16="http://schemas.microsoft.com/office/drawing/2014/main" id="{97CC1C2B-0B32-E796-1C62-09837C175E65}"/>
-              </a:ext>
-            </a:extLst>
-          </p:cNvPr>
+          <p:cNvPr id="7" name="Slide Number Placeholder 6"/>
           <p:cNvSpPr>
             <a:spLocks noGrp="1"/>
           </p:cNvSpPr>
@@ -2682,7 +2586,7 @@
     </p:spTree>
     <p:extLst>
       <p:ext uri="{BB962C8B-B14F-4D97-AF65-F5344CB8AC3E}">
-        <p14:creationId xmlns:p14="http://schemas.microsoft.com/office/powerpoint/2010/main" val="4203271100"/>
+        <p14:creationId xmlns:p14="http://schemas.microsoft.com/office/powerpoint/2010/main" val="3091484733"/>
       </p:ext>
     </p:extLst>
   </p:cSld>
@@ -2711,13 +2615,7 @@
       </p:grpSpPr>
       <p:sp>
         <p:nvSpPr>
-          <p:cNvPr id="2" name="Title 1">
-            <a:extLst>
-              <a:ext uri="{FF2B5EF4-FFF2-40B4-BE49-F238E27FC236}">
-                <a16:creationId xmlns:a16="http://schemas.microsoft.com/office/drawing/2014/main" id="{599AA0AB-DF00-74EA-4501-86BA024FCA79}"/>
-              </a:ext>
-            </a:extLst>
-          </p:cNvPr>
+          <p:cNvPr id="2" name="Title 1"/>
           <p:cNvSpPr>
             <a:spLocks noGrp="1"/>
           </p:cNvSpPr>
@@ -2727,15 +2625,15 @@
         </p:nvSpPr>
         <p:spPr>
           <a:xfrm>
-            <a:off x="839788" y="457200"/>
-            <a:ext cx="3932237" cy="1600200"/>
+            <a:off x="1239891" y="719984"/>
+            <a:ext cx="5805682" cy="2519945"/>
           </a:xfrm>
         </p:spPr>
         <p:txBody>
           <a:bodyPr anchor="b"/>
           <a:lstStyle>
             <a:lvl1pPr>
-              <a:defRPr sz="3200"/>
+              <a:defRPr sz="4724"/>
             </a:lvl1pPr>
           </a:lstStyle>
           <a:p>
@@ -2743,21 +2641,15 @@
               <a:rPr lang="en-US"/>
               <a:t>Click to edit Master title style</a:t>
             </a:r>
-            <a:endParaRPr lang="en-GB"/>
-          </a:p>
-        </p:txBody>
-      </p:sp>
-      <p:sp>
-        <p:nvSpPr>
-          <p:cNvPr id="3" name="Picture Placeholder 2">
-            <a:extLst>
-              <a:ext uri="{FF2B5EF4-FFF2-40B4-BE49-F238E27FC236}">
-                <a16:creationId xmlns:a16="http://schemas.microsoft.com/office/drawing/2014/main" id="{3B713D2A-987F-B95B-B32C-43E434855F66}"/>
-              </a:ext>
-            </a:extLst>
-          </p:cNvPr>
-          <p:cNvSpPr>
-            <a:spLocks noGrp="1"/>
+            <a:endParaRPr lang="en-US" dirty="0"/>
+          </a:p>
+        </p:txBody>
+      </p:sp>
+      <p:sp>
+        <p:nvSpPr>
+          <p:cNvPr id="3" name="Picture Placeholder 2"/>
+          <p:cNvSpPr>
+            <a:spLocks noGrp="1" noChangeAspect="1"/>
           </p:cNvSpPr>
           <p:nvPr>
             <p:ph type="pic" idx="1"/>
@@ -2765,8 +2657,73 @@
         </p:nvSpPr>
         <p:spPr>
           <a:xfrm>
-            <a:off x="5183188" y="987425"/>
-            <a:ext cx="6172200" cy="4873625"/>
+            <a:off x="7652626" y="1554966"/>
+            <a:ext cx="9112836" cy="7674832"/>
+          </a:xfrm>
+        </p:spPr>
+        <p:txBody>
+          <a:bodyPr anchor="t"/>
+          <a:lstStyle>
+            <a:lvl1pPr marL="0" indent="0">
+              <a:buNone/>
+              <a:defRPr sz="4724"/>
+            </a:lvl1pPr>
+            <a:lvl2pPr marL="675010" indent="0">
+              <a:buNone/>
+              <a:defRPr sz="4134"/>
+            </a:lvl2pPr>
+            <a:lvl3pPr marL="1350020" indent="0">
+              <a:buNone/>
+              <a:defRPr sz="3543"/>
+            </a:lvl3pPr>
+            <a:lvl4pPr marL="2025030" indent="0">
+              <a:buNone/>
+              <a:defRPr sz="2953"/>
+            </a:lvl4pPr>
+            <a:lvl5pPr marL="2700040" indent="0">
+              <a:buNone/>
+              <a:defRPr sz="2953"/>
+            </a:lvl5pPr>
+            <a:lvl6pPr marL="3375050" indent="0">
+              <a:buNone/>
+              <a:defRPr sz="2953"/>
+            </a:lvl6pPr>
+            <a:lvl7pPr marL="4050060" indent="0">
+              <a:buNone/>
+              <a:defRPr sz="2953"/>
+            </a:lvl7pPr>
+            <a:lvl8pPr marL="4725071" indent="0">
+              <a:buNone/>
+              <a:defRPr sz="2953"/>
+            </a:lvl8pPr>
+            <a:lvl9pPr marL="5400081" indent="0">
+              <a:buNone/>
+              <a:defRPr sz="2953"/>
+            </a:lvl9pPr>
+          </a:lstStyle>
+          <a:p>
+            <a:r>
+              <a:rPr lang="en-US"/>
+              <a:t>Click icon to add picture</a:t>
+            </a:r>
+            <a:endParaRPr lang="en-US" dirty="0"/>
+          </a:p>
+        </p:txBody>
+      </p:sp>
+      <p:sp>
+        <p:nvSpPr>
+          <p:cNvPr id="4" name="Text Placeholder 3"/>
+          <p:cNvSpPr>
+            <a:spLocks noGrp="1"/>
+          </p:cNvSpPr>
+          <p:nvPr>
+            <p:ph type="body" sz="half" idx="2"/>
+          </p:nvPr>
+        </p:nvSpPr>
+        <p:spPr>
+          <a:xfrm>
+            <a:off x="1239891" y="3239929"/>
+            <a:ext cx="5805682" cy="6002369"/>
           </a:xfrm>
         </p:spPr>
         <p:txBody>
@@ -2774,109 +2731,42 @@
           <a:lstStyle>
             <a:lvl1pPr marL="0" indent="0">
               <a:buNone/>
-              <a:defRPr sz="3200"/>
+              <a:defRPr sz="2362"/>
             </a:lvl1pPr>
-            <a:lvl2pPr marL="457200" indent="0">
-              <a:buNone/>
-              <a:defRPr sz="2800"/>
+            <a:lvl2pPr marL="675010" indent="0">
+              <a:buNone/>
+              <a:defRPr sz="2067"/>
             </a:lvl2pPr>
-            <a:lvl3pPr marL="914400" indent="0">
-              <a:buNone/>
-              <a:defRPr sz="2400"/>
+            <a:lvl3pPr marL="1350020" indent="0">
+              <a:buNone/>
+              <a:defRPr sz="1772"/>
             </a:lvl3pPr>
-            <a:lvl4pPr marL="1371600" indent="0">
-              <a:buNone/>
-              <a:defRPr sz="2000"/>
+            <a:lvl4pPr marL="2025030" indent="0">
+              <a:buNone/>
+              <a:defRPr sz="1476"/>
             </a:lvl4pPr>
-            <a:lvl5pPr marL="1828800" indent="0">
-              <a:buNone/>
-              <a:defRPr sz="2000"/>
+            <a:lvl5pPr marL="2700040" indent="0">
+              <a:buNone/>
+              <a:defRPr sz="1476"/>
             </a:lvl5pPr>
-            <a:lvl6pPr marL="2286000" indent="0">
-              <a:buNone/>
-              <a:defRPr sz="2000"/>
+            <a:lvl6pPr marL="3375050" indent="0">
+              <a:buNone/>
+              <a:defRPr sz="1476"/>
             </a:lvl6pPr>
-            <a:lvl7pPr marL="2743200" indent="0">
-              <a:buNone/>
-              <a:defRPr sz="2000"/>
+            <a:lvl7pPr marL="4050060" indent="0">
+              <a:buNone/>
+              <a:defRPr sz="1476"/>
             </a:lvl7pPr>
-            <a:lvl8pPr marL="3200400" indent="0">
-              <a:buNone/>
-              <a:defRPr sz="2000"/>
+            <a:lvl8pPr marL="4725071" indent="0">
+              <a:buNone/>
+              <a:defRPr sz="1476"/>
             </a:lvl8pPr>
-            <a:lvl9pPr marL="3657600" indent="0">
-              <a:buNone/>
-              <a:defRPr sz="2000"/>
+            <a:lvl9pPr marL="5400081" indent="0">
+              <a:buNone/>
+              <a:defRPr sz="1476"/>
             </a:lvl9pPr>
           </a:lstStyle>
           <a:p>
-            <a:endParaRPr lang="en-GB"/>
-          </a:p>
-        </p:txBody>
-      </p:sp>
-      <p:sp>
-        <p:nvSpPr>
-          <p:cNvPr id="4" name="Text Placeholder 3">
-            <a:extLst>
-              <a:ext uri="{FF2B5EF4-FFF2-40B4-BE49-F238E27FC236}">
-                <a16:creationId xmlns:a16="http://schemas.microsoft.com/office/drawing/2014/main" id="{43646634-2A93-8CFD-0E40-BBEEFDC2BA49}"/>
-              </a:ext>
-            </a:extLst>
-          </p:cNvPr>
-          <p:cNvSpPr>
-            <a:spLocks noGrp="1"/>
-          </p:cNvSpPr>
-          <p:nvPr>
-            <p:ph type="body" sz="half" idx="2"/>
-          </p:nvPr>
-        </p:nvSpPr>
-        <p:spPr>
-          <a:xfrm>
-            <a:off x="839788" y="2057400"/>
-            <a:ext cx="3932237" cy="3811588"/>
-          </a:xfrm>
-        </p:spPr>
-        <p:txBody>
-          <a:bodyPr/>
-          <a:lstStyle>
-            <a:lvl1pPr marL="0" indent="0">
-              <a:buNone/>
-              <a:defRPr sz="1600"/>
-            </a:lvl1pPr>
-            <a:lvl2pPr marL="457200" indent="0">
-              <a:buNone/>
-              <a:defRPr sz="1400"/>
-            </a:lvl2pPr>
-            <a:lvl3pPr marL="914400" indent="0">
-              <a:buNone/>
-              <a:defRPr sz="1200"/>
-            </a:lvl3pPr>
-            <a:lvl4pPr marL="1371600" indent="0">
-              <a:buNone/>
-              <a:defRPr sz="1000"/>
-            </a:lvl4pPr>
-            <a:lvl5pPr marL="1828800" indent="0">
-              <a:buNone/>
-              <a:defRPr sz="1000"/>
-            </a:lvl5pPr>
-            <a:lvl6pPr marL="2286000" indent="0">
-              <a:buNone/>
-              <a:defRPr sz="1000"/>
-            </a:lvl6pPr>
-            <a:lvl7pPr marL="2743200" indent="0">
-              <a:buNone/>
-              <a:defRPr sz="1000"/>
-            </a:lvl7pPr>
-            <a:lvl8pPr marL="3200400" indent="0">
-              <a:buNone/>
-              <a:defRPr sz="1000"/>
-            </a:lvl8pPr>
-            <a:lvl9pPr marL="3657600" indent="0">
-              <a:buNone/>
-              <a:defRPr sz="1000"/>
-            </a:lvl9pPr>
-          </a:lstStyle>
-          <a:p>
             <a:pPr lvl="0"/>
             <a:r>
               <a:rPr lang="en-US"/>
@@ -2887,13 +2777,7 @@
       </p:sp>
       <p:sp>
         <p:nvSpPr>
-          <p:cNvPr id="5" name="Date Placeholder 4">
-            <a:extLst>
-              <a:ext uri="{FF2B5EF4-FFF2-40B4-BE49-F238E27FC236}">
-                <a16:creationId xmlns:a16="http://schemas.microsoft.com/office/drawing/2014/main" id="{BB81D03B-0805-5265-AFE0-98F957D2C703}"/>
-              </a:ext>
-            </a:extLst>
-          </p:cNvPr>
+          <p:cNvPr id="5" name="Date Placeholder 4"/>
           <p:cNvSpPr>
             <a:spLocks noGrp="1"/>
           </p:cNvSpPr>
@@ -2908,7 +2792,7 @@
           <a:p>
             <a:fld id="{29A97844-0301-4D63-AF48-6DAF4C72E940}" type="datetimeFigureOut">
               <a:rPr lang="en-GB" smtClean="0"/>
-              <a:t>19/06/2023</a:t>
+              <a:t>20/06/2023</a:t>
             </a:fld>
             <a:endParaRPr lang="en-GB"/>
           </a:p>
@@ -2916,13 +2800,7 @@
       </p:sp>
       <p:sp>
         <p:nvSpPr>
-          <p:cNvPr id="6" name="Footer Placeholder 5">
-            <a:extLst>
-              <a:ext uri="{FF2B5EF4-FFF2-40B4-BE49-F238E27FC236}">
-                <a16:creationId xmlns:a16="http://schemas.microsoft.com/office/drawing/2014/main" id="{4DAC58BF-D9C9-0976-3B5F-7E66EFAA2A53}"/>
-              </a:ext>
-            </a:extLst>
-          </p:cNvPr>
+          <p:cNvPr id="6" name="Footer Placeholder 5"/>
           <p:cNvSpPr>
             <a:spLocks noGrp="1"/>
           </p:cNvSpPr>
@@ -2941,13 +2819,7 @@
       </p:sp>
       <p:sp>
         <p:nvSpPr>
-          <p:cNvPr id="7" name="Slide Number Placeholder 6">
-            <a:extLst>
-              <a:ext uri="{FF2B5EF4-FFF2-40B4-BE49-F238E27FC236}">
-                <a16:creationId xmlns:a16="http://schemas.microsoft.com/office/drawing/2014/main" id="{C2E3110D-921D-712A-A8C4-CFA931F16733}"/>
-              </a:ext>
-            </a:extLst>
-          </p:cNvPr>
+          <p:cNvPr id="7" name="Slide Number Placeholder 6"/>
           <p:cNvSpPr>
             <a:spLocks noGrp="1"/>
           </p:cNvSpPr>
@@ -2971,7 +2843,7 @@
     </p:spTree>
     <p:extLst>
       <p:ext uri="{BB962C8B-B14F-4D97-AF65-F5344CB8AC3E}">
-        <p14:creationId xmlns:p14="http://schemas.microsoft.com/office/powerpoint/2010/main" val="2859978538"/>
+        <p14:creationId xmlns:p14="http://schemas.microsoft.com/office/powerpoint/2010/main" val="3069288645"/>
       </p:ext>
     </p:extLst>
   </p:cSld>
@@ -3005,13 +2877,7 @@
       </p:grpSpPr>
       <p:sp>
         <p:nvSpPr>
-          <p:cNvPr id="2" name="Title Placeholder 1">
-            <a:extLst>
-              <a:ext uri="{FF2B5EF4-FFF2-40B4-BE49-F238E27FC236}">
-                <a16:creationId xmlns:a16="http://schemas.microsoft.com/office/drawing/2014/main" id="{FC4821EA-BFA0-E1BB-F4BB-A71D58EE06B4}"/>
-              </a:ext>
-            </a:extLst>
-          </p:cNvPr>
+          <p:cNvPr id="2" name="Title Placeholder 1"/>
           <p:cNvSpPr>
             <a:spLocks noGrp="1"/>
           </p:cNvSpPr>
@@ -3021,8 +2887,8 @@
         </p:nvSpPr>
         <p:spPr>
           <a:xfrm>
-            <a:off x="838200" y="365125"/>
-            <a:ext cx="10515600" cy="1325563"/>
+            <a:off x="1237546" y="574988"/>
+            <a:ext cx="15525572" cy="2087455"/>
           </a:xfrm>
           <a:prstGeom prst="rect">
             <a:avLst/>
@@ -3038,19 +2904,13 @@
               <a:rPr lang="en-US"/>
               <a:t>Click to edit Master title style</a:t>
             </a:r>
-            <a:endParaRPr lang="en-GB"/>
-          </a:p>
-        </p:txBody>
-      </p:sp>
-      <p:sp>
-        <p:nvSpPr>
-          <p:cNvPr id="3" name="Text Placeholder 2">
-            <a:extLst>
-              <a:ext uri="{FF2B5EF4-FFF2-40B4-BE49-F238E27FC236}">
-                <a16:creationId xmlns:a16="http://schemas.microsoft.com/office/drawing/2014/main" id="{41F50CBE-A2FF-FCD5-D703-BE7AA2763E04}"/>
-              </a:ext>
-            </a:extLst>
-          </p:cNvPr>
+            <a:endParaRPr lang="en-US" dirty="0"/>
+          </a:p>
+        </p:txBody>
+      </p:sp>
+      <p:sp>
+        <p:nvSpPr>
+          <p:cNvPr id="3" name="Text Placeholder 2"/>
           <p:cNvSpPr>
             <a:spLocks noGrp="1"/>
           </p:cNvSpPr>
@@ -3060,8 +2920,8 @@
         </p:nvSpPr>
         <p:spPr>
           <a:xfrm>
-            <a:off x="838200" y="1825625"/>
-            <a:ext cx="10515600" cy="4351338"/>
+            <a:off x="1237546" y="2874937"/>
+            <a:ext cx="15525572" cy="6852350"/>
           </a:xfrm>
           <a:prstGeom prst="rect">
             <a:avLst/>
@@ -3106,19 +2966,13 @@
               <a:rPr lang="en-US"/>
               <a:t>Fifth level</a:t>
             </a:r>
-            <a:endParaRPr lang="en-GB"/>
-          </a:p>
-        </p:txBody>
-      </p:sp>
-      <p:sp>
-        <p:nvSpPr>
-          <p:cNvPr id="4" name="Date Placeholder 3">
-            <a:extLst>
-              <a:ext uri="{FF2B5EF4-FFF2-40B4-BE49-F238E27FC236}">
-                <a16:creationId xmlns:a16="http://schemas.microsoft.com/office/drawing/2014/main" id="{5686F6C1-A73C-258D-4D51-91FADFC8DD49}"/>
-              </a:ext>
-            </a:extLst>
-          </p:cNvPr>
+            <a:endParaRPr lang="en-US" dirty="0"/>
+          </a:p>
+        </p:txBody>
+      </p:sp>
+      <p:sp>
+        <p:nvSpPr>
+          <p:cNvPr id="4" name="Date Placeholder 3"/>
           <p:cNvSpPr>
             <a:spLocks noGrp="1"/>
           </p:cNvSpPr>
@@ -3128,8 +2982,8 @@
         </p:nvSpPr>
         <p:spPr>
           <a:xfrm>
-            <a:off x="838200" y="6356350"/>
-            <a:ext cx="2743200" cy="365125"/>
+            <a:off x="1237546" y="10009781"/>
+            <a:ext cx="4050149" cy="574987"/>
           </a:xfrm>
           <a:prstGeom prst="rect">
             <a:avLst/>
@@ -3139,7 +2993,7 @@
           <a:bodyPr vert="horz" lIns="91440" tIns="45720" rIns="91440" bIns="45720" rtlCol="0" anchor="ctr"/>
           <a:lstStyle>
             <a:lvl1pPr algn="l">
-              <a:defRPr sz="1200">
+              <a:defRPr sz="1772">
                 <a:solidFill>
                   <a:schemeClr val="tx1">
                     <a:tint val="75000"/>
@@ -3151,7 +3005,7 @@
           <a:p>
             <a:fld id="{29A97844-0301-4D63-AF48-6DAF4C72E940}" type="datetimeFigureOut">
               <a:rPr lang="en-GB" smtClean="0"/>
-              <a:t>19/06/2023</a:t>
+              <a:t>20/06/2023</a:t>
             </a:fld>
             <a:endParaRPr lang="en-GB"/>
           </a:p>
@@ -3159,13 +3013,7 @@
       </p:sp>
       <p:sp>
         <p:nvSpPr>
-          <p:cNvPr id="5" name="Footer Placeholder 4">
-            <a:extLst>
-              <a:ext uri="{FF2B5EF4-FFF2-40B4-BE49-F238E27FC236}">
-                <a16:creationId xmlns:a16="http://schemas.microsoft.com/office/drawing/2014/main" id="{95BDE6B4-B1BD-794D-47B5-BC60229CDCB0}"/>
-              </a:ext>
-            </a:extLst>
-          </p:cNvPr>
+          <p:cNvPr id="5" name="Footer Placeholder 4"/>
           <p:cNvSpPr>
             <a:spLocks noGrp="1"/>
           </p:cNvSpPr>
@@ -3175,8 +3023,8 @@
         </p:nvSpPr>
         <p:spPr>
           <a:xfrm>
-            <a:off x="4038600" y="6356350"/>
-            <a:ext cx="4114800" cy="365125"/>
+            <a:off x="5962720" y="10009781"/>
+            <a:ext cx="6075224" cy="574987"/>
           </a:xfrm>
           <a:prstGeom prst="rect">
             <a:avLst/>
@@ -3186,7 +3034,7 @@
           <a:bodyPr vert="horz" lIns="91440" tIns="45720" rIns="91440" bIns="45720" rtlCol="0" anchor="ctr"/>
           <a:lstStyle>
             <a:lvl1pPr algn="ctr">
-              <a:defRPr sz="1200">
+              <a:defRPr sz="1772">
                 <a:solidFill>
                   <a:schemeClr val="tx1">
                     <a:tint val="75000"/>
@@ -3202,13 +3050,7 @@
       </p:sp>
       <p:sp>
         <p:nvSpPr>
-          <p:cNvPr id="6" name="Slide Number Placeholder 5">
-            <a:extLst>
-              <a:ext uri="{FF2B5EF4-FFF2-40B4-BE49-F238E27FC236}">
-                <a16:creationId xmlns:a16="http://schemas.microsoft.com/office/drawing/2014/main" id="{7224591A-ADCD-ECBB-2F4C-B4F16F89E068}"/>
-              </a:ext>
-            </a:extLst>
-          </p:cNvPr>
+          <p:cNvPr id="6" name="Slide Number Placeholder 5"/>
           <p:cNvSpPr>
             <a:spLocks noGrp="1"/>
           </p:cNvSpPr>
@@ -3218,8 +3060,8 @@
         </p:nvSpPr>
         <p:spPr>
           <a:xfrm>
-            <a:off x="8610600" y="6356350"/>
-            <a:ext cx="2743200" cy="365125"/>
+            <a:off x="12712968" y="10009781"/>
+            <a:ext cx="4050149" cy="574987"/>
           </a:xfrm>
           <a:prstGeom prst="rect">
             <a:avLst/>
@@ -3229,7 +3071,7 @@
           <a:bodyPr vert="horz" lIns="91440" tIns="45720" rIns="91440" bIns="45720" rtlCol="0" anchor="ctr"/>
           <a:lstStyle>
             <a:lvl1pPr algn="r">
-              <a:defRPr sz="1200">
+              <a:defRPr sz="1772">
                 <a:solidFill>
                   <a:schemeClr val="tx1">
                     <a:tint val="75000"/>
@@ -3250,27 +3092,27 @@
     </p:spTree>
     <p:extLst>
       <p:ext uri="{BB962C8B-B14F-4D97-AF65-F5344CB8AC3E}">
-        <p14:creationId xmlns:p14="http://schemas.microsoft.com/office/powerpoint/2010/main" val="3458837451"/>
+        <p14:creationId xmlns:p14="http://schemas.microsoft.com/office/powerpoint/2010/main" val="1434230965"/>
       </p:ext>
     </p:extLst>
   </p:cSld>
   <p:clrMap bg1="lt1" tx1="dk1" bg2="lt2" tx2="dk2" accent1="accent1" accent2="accent2" accent3="accent3" accent4="accent4" accent5="accent5" accent6="accent6" hlink="hlink" folHlink="folHlink"/>
   <p:sldLayoutIdLst>
-    <p:sldLayoutId id="2147483649" r:id="rId1"/>
-    <p:sldLayoutId id="2147483650" r:id="rId2"/>
-    <p:sldLayoutId id="2147483651" r:id="rId3"/>
-    <p:sldLayoutId id="2147483652" r:id="rId4"/>
-    <p:sldLayoutId id="2147483653" r:id="rId5"/>
-    <p:sldLayoutId id="2147483654" r:id="rId6"/>
-    <p:sldLayoutId id="2147483655" r:id="rId7"/>
-    <p:sldLayoutId id="2147483656" r:id="rId8"/>
-    <p:sldLayoutId id="2147483657" r:id="rId9"/>
-    <p:sldLayoutId id="2147483658" r:id="rId10"/>
-    <p:sldLayoutId id="2147483659" r:id="rId11"/>
+    <p:sldLayoutId id="2147483661" r:id="rId1"/>
+    <p:sldLayoutId id="2147483662" r:id="rId2"/>
+    <p:sldLayoutId id="2147483663" r:id="rId3"/>
+    <p:sldLayoutId id="2147483664" r:id="rId4"/>
+    <p:sldLayoutId id="2147483665" r:id="rId5"/>
+    <p:sldLayoutId id="2147483666" r:id="rId6"/>
+    <p:sldLayoutId id="2147483667" r:id="rId7"/>
+    <p:sldLayoutId id="2147483668" r:id="rId8"/>
+    <p:sldLayoutId id="2147483669" r:id="rId9"/>
+    <p:sldLayoutId id="2147483670" r:id="rId10"/>
+    <p:sldLayoutId id="2147483671" r:id="rId11"/>
   </p:sldLayoutIdLst>
   <p:txStyles>
     <p:titleStyle>
-      <a:lvl1pPr algn="l" defTabSz="914400" rtl="0" eaLnBrk="1" latinLnBrk="0" hangingPunct="1">
+      <a:lvl1pPr algn="l" defTabSz="1350020" rtl="0" eaLnBrk="1" latinLnBrk="0" hangingPunct="1">
         <a:lnSpc>
           <a:spcPct val="90000"/>
         </a:lnSpc>
@@ -3278,7 +3120,7 @@
           <a:spcPct val="0"/>
         </a:spcBef>
         <a:buNone/>
-        <a:defRPr sz="4400" kern="1200">
+        <a:defRPr sz="6496" kern="1200">
           <a:solidFill>
             <a:schemeClr val="tx1"/>
           </a:solidFill>
@@ -3289,16 +3131,16 @@
       </a:lvl1pPr>
     </p:titleStyle>
     <p:bodyStyle>
-      <a:lvl1pPr marL="228600" indent="-228600" algn="l" defTabSz="914400" rtl="0" eaLnBrk="1" latinLnBrk="0" hangingPunct="1">
+      <a:lvl1pPr marL="337505" indent="-337505" algn="l" defTabSz="1350020" rtl="0" eaLnBrk="1" latinLnBrk="0" hangingPunct="1">
         <a:lnSpc>
           <a:spcPct val="90000"/>
         </a:lnSpc>
         <a:spcBef>
-          <a:spcPts val="1000"/>
+          <a:spcPts val="1476"/>
         </a:spcBef>
         <a:buFont typeface="Arial" panose="020B0604020202020204" pitchFamily="34" charset="0"/>
         <a:buChar char="•"/>
-        <a:defRPr sz="2800" kern="1200">
+        <a:defRPr sz="4134" kern="1200">
           <a:solidFill>
             <a:schemeClr val="tx1"/>
           </a:solidFill>
@@ -3307,16 +3149,16 @@
           <a:cs typeface="+mn-cs"/>
         </a:defRPr>
       </a:lvl1pPr>
-      <a:lvl2pPr marL="685800" indent="-228600" algn="l" defTabSz="914400" rtl="0" eaLnBrk="1" latinLnBrk="0" hangingPunct="1">
+      <a:lvl2pPr marL="1012515" indent="-337505" algn="l" defTabSz="1350020" rtl="0" eaLnBrk="1" latinLnBrk="0" hangingPunct="1">
         <a:lnSpc>
           <a:spcPct val="90000"/>
         </a:lnSpc>
         <a:spcBef>
-          <a:spcPts val="500"/>
+          <a:spcPts val="738"/>
         </a:spcBef>
         <a:buFont typeface="Arial" panose="020B0604020202020204" pitchFamily="34" charset="0"/>
         <a:buChar char="•"/>
-        <a:defRPr sz="2400" kern="1200">
+        <a:defRPr sz="3543" kern="1200">
           <a:solidFill>
             <a:schemeClr val="tx1"/>
           </a:solidFill>
@@ -3325,16 +3167,16 @@
           <a:cs typeface="+mn-cs"/>
         </a:defRPr>
       </a:lvl2pPr>
-      <a:lvl3pPr marL="1143000" indent="-228600" algn="l" defTabSz="914400" rtl="0" eaLnBrk="1" latinLnBrk="0" hangingPunct="1">
+      <a:lvl3pPr marL="1687525" indent="-337505" algn="l" defTabSz="1350020" rtl="0" eaLnBrk="1" latinLnBrk="0" hangingPunct="1">
         <a:lnSpc>
           <a:spcPct val="90000"/>
         </a:lnSpc>
         <a:spcBef>
-          <a:spcPts val="500"/>
+          <a:spcPts val="738"/>
         </a:spcBef>
         <a:buFont typeface="Arial" panose="020B0604020202020204" pitchFamily="34" charset="0"/>
         <a:buChar char="•"/>
-        <a:defRPr sz="2000" kern="1200">
+        <a:defRPr sz="2953" kern="1200">
           <a:solidFill>
             <a:schemeClr val="tx1"/>
           </a:solidFill>
@@ -3343,16 +3185,16 @@
           <a:cs typeface="+mn-cs"/>
         </a:defRPr>
       </a:lvl3pPr>
-      <a:lvl4pPr marL="1600200" indent="-228600" algn="l" defTabSz="914400" rtl="0" eaLnBrk="1" latinLnBrk="0" hangingPunct="1">
+      <a:lvl4pPr marL="2362535" indent="-337505" algn="l" defTabSz="1350020" rtl="0" eaLnBrk="1" latinLnBrk="0" hangingPunct="1">
         <a:lnSpc>
           <a:spcPct val="90000"/>
         </a:lnSpc>
         <a:spcBef>
-          <a:spcPts val="500"/>
+          <a:spcPts val="738"/>
         </a:spcBef>
         <a:buFont typeface="Arial" panose="020B0604020202020204" pitchFamily="34" charset="0"/>
         <a:buChar char="•"/>
-        <a:defRPr sz="1800" kern="1200">
+        <a:defRPr sz="2658" kern="1200">
           <a:solidFill>
             <a:schemeClr val="tx1"/>
           </a:solidFill>
@@ -3361,16 +3203,16 @@
           <a:cs typeface="+mn-cs"/>
         </a:defRPr>
       </a:lvl4pPr>
-      <a:lvl5pPr marL="2057400" indent="-228600" algn="l" defTabSz="914400" rtl="0" eaLnBrk="1" latinLnBrk="0" hangingPunct="1">
+      <a:lvl5pPr marL="3037545" indent="-337505" algn="l" defTabSz="1350020" rtl="0" eaLnBrk="1" latinLnBrk="0" hangingPunct="1">
         <a:lnSpc>
           <a:spcPct val="90000"/>
         </a:lnSpc>
         <a:spcBef>
-          <a:spcPts val="500"/>
+          <a:spcPts val="738"/>
         </a:spcBef>
         <a:buFont typeface="Arial" panose="020B0604020202020204" pitchFamily="34" charset="0"/>
         <a:buChar char="•"/>
-        <a:defRPr sz="1800" kern="1200">
+        <a:defRPr sz="2658" kern="1200">
           <a:solidFill>
             <a:schemeClr val="tx1"/>
           </a:solidFill>
@@ -3379,16 +3221,16 @@
           <a:cs typeface="+mn-cs"/>
         </a:defRPr>
       </a:lvl5pPr>
-      <a:lvl6pPr marL="2514600" indent="-228600" algn="l" defTabSz="914400" rtl="0" eaLnBrk="1" latinLnBrk="0" hangingPunct="1">
+      <a:lvl6pPr marL="3712555" indent="-337505" algn="l" defTabSz="1350020" rtl="0" eaLnBrk="1" latinLnBrk="0" hangingPunct="1">
         <a:lnSpc>
           <a:spcPct val="90000"/>
         </a:lnSpc>
         <a:spcBef>
-          <a:spcPts val="500"/>
+          <a:spcPts val="738"/>
         </a:spcBef>
         <a:buFont typeface="Arial" panose="020B0604020202020204" pitchFamily="34" charset="0"/>
         <a:buChar char="•"/>
-        <a:defRPr sz="1800" kern="1200">
+        <a:defRPr sz="2658" kern="1200">
           <a:solidFill>
             <a:schemeClr val="tx1"/>
           </a:solidFill>
@@ -3397,16 +3239,16 @@
           <a:cs typeface="+mn-cs"/>
         </a:defRPr>
       </a:lvl6pPr>
-      <a:lvl7pPr marL="2971800" indent="-228600" algn="l" defTabSz="914400" rtl="0" eaLnBrk="1" latinLnBrk="0" hangingPunct="1">
+      <a:lvl7pPr marL="4387566" indent="-337505" algn="l" defTabSz="1350020" rtl="0" eaLnBrk="1" latinLnBrk="0" hangingPunct="1">
         <a:lnSpc>
           <a:spcPct val="90000"/>
         </a:lnSpc>
         <a:spcBef>
-          <a:spcPts val="500"/>
+          <a:spcPts val="738"/>
         </a:spcBef>
         <a:buFont typeface="Arial" panose="020B0604020202020204" pitchFamily="34" charset="0"/>
         <a:buChar char="•"/>
-        <a:defRPr sz="1800" kern="1200">
+        <a:defRPr sz="2658" kern="1200">
           <a:solidFill>
             <a:schemeClr val="tx1"/>
           </a:solidFill>
@@ -3415,16 +3257,16 @@
           <a:cs typeface="+mn-cs"/>
         </a:defRPr>
       </a:lvl7pPr>
-      <a:lvl8pPr marL="3429000" indent="-228600" algn="l" defTabSz="914400" rtl="0" eaLnBrk="1" latinLnBrk="0" hangingPunct="1">
+      <a:lvl8pPr marL="5062576" indent="-337505" algn="l" defTabSz="1350020" rtl="0" eaLnBrk="1" latinLnBrk="0" hangingPunct="1">
         <a:lnSpc>
           <a:spcPct val="90000"/>
         </a:lnSpc>
         <a:spcBef>
-          <a:spcPts val="500"/>
+          <a:spcPts val="738"/>
         </a:spcBef>
         <a:buFont typeface="Arial" panose="020B0604020202020204" pitchFamily="34" charset="0"/>
         <a:buChar char="•"/>
-        <a:defRPr sz="1800" kern="1200">
+        <a:defRPr sz="2658" kern="1200">
           <a:solidFill>
             <a:schemeClr val="tx1"/>
           </a:solidFill>
@@ -3433,16 +3275,16 @@
           <a:cs typeface="+mn-cs"/>
         </a:defRPr>
       </a:lvl8pPr>
-      <a:lvl9pPr marL="3886200" indent="-228600" algn="l" defTabSz="914400" rtl="0" eaLnBrk="1" latinLnBrk="0" hangingPunct="1">
+      <a:lvl9pPr marL="5737586" indent="-337505" algn="l" defTabSz="1350020" rtl="0" eaLnBrk="1" latinLnBrk="0" hangingPunct="1">
         <a:lnSpc>
           <a:spcPct val="90000"/>
         </a:lnSpc>
         <a:spcBef>
-          <a:spcPts val="500"/>
+          <a:spcPts val="738"/>
         </a:spcBef>
         <a:buFont typeface="Arial" panose="020B0604020202020204" pitchFamily="34" charset="0"/>
         <a:buChar char="•"/>
-        <a:defRPr sz="1800" kern="1200">
+        <a:defRPr sz="2658" kern="1200">
           <a:solidFill>
             <a:schemeClr val="tx1"/>
           </a:solidFill>
@@ -3456,8 +3298,8 @@
       <a:defPPr>
         <a:defRPr lang="en-US"/>
       </a:defPPr>
-      <a:lvl1pPr marL="0" algn="l" defTabSz="914400" rtl="0" eaLnBrk="1" latinLnBrk="0" hangingPunct="1">
-        <a:defRPr sz="1800" kern="1200">
+      <a:lvl1pPr marL="0" algn="l" defTabSz="1350020" rtl="0" eaLnBrk="1" latinLnBrk="0" hangingPunct="1">
+        <a:defRPr sz="2658" kern="1200">
           <a:solidFill>
             <a:schemeClr val="tx1"/>
           </a:solidFill>
@@ -3466,8 +3308,8 @@
           <a:cs typeface="+mn-cs"/>
         </a:defRPr>
       </a:lvl1pPr>
-      <a:lvl2pPr marL="457200" algn="l" defTabSz="914400" rtl="0" eaLnBrk="1" latinLnBrk="0" hangingPunct="1">
-        <a:defRPr sz="1800" kern="1200">
+      <a:lvl2pPr marL="675010" algn="l" defTabSz="1350020" rtl="0" eaLnBrk="1" latinLnBrk="0" hangingPunct="1">
+        <a:defRPr sz="2658" kern="1200">
           <a:solidFill>
             <a:schemeClr val="tx1"/>
           </a:solidFill>
@@ -3476,8 +3318,8 @@
           <a:cs typeface="+mn-cs"/>
         </a:defRPr>
       </a:lvl2pPr>
-      <a:lvl3pPr marL="914400" algn="l" defTabSz="914400" rtl="0" eaLnBrk="1" latinLnBrk="0" hangingPunct="1">
-        <a:defRPr sz="1800" kern="1200">
+      <a:lvl3pPr marL="1350020" algn="l" defTabSz="1350020" rtl="0" eaLnBrk="1" latinLnBrk="0" hangingPunct="1">
+        <a:defRPr sz="2658" kern="1200">
           <a:solidFill>
             <a:schemeClr val="tx1"/>
           </a:solidFill>
@@ -3486,8 +3328,8 @@
           <a:cs typeface="+mn-cs"/>
         </a:defRPr>
       </a:lvl3pPr>
-      <a:lvl4pPr marL="1371600" algn="l" defTabSz="914400" rtl="0" eaLnBrk="1" latinLnBrk="0" hangingPunct="1">
-        <a:defRPr sz="1800" kern="1200">
+      <a:lvl4pPr marL="2025030" algn="l" defTabSz="1350020" rtl="0" eaLnBrk="1" latinLnBrk="0" hangingPunct="1">
+        <a:defRPr sz="2658" kern="1200">
           <a:solidFill>
             <a:schemeClr val="tx1"/>
           </a:solidFill>
@@ -3496,8 +3338,8 @@
           <a:cs typeface="+mn-cs"/>
         </a:defRPr>
       </a:lvl4pPr>
-      <a:lvl5pPr marL="1828800" algn="l" defTabSz="914400" rtl="0" eaLnBrk="1" latinLnBrk="0" hangingPunct="1">
-        <a:defRPr sz="1800" kern="1200">
+      <a:lvl5pPr marL="2700040" algn="l" defTabSz="1350020" rtl="0" eaLnBrk="1" latinLnBrk="0" hangingPunct="1">
+        <a:defRPr sz="2658" kern="1200">
           <a:solidFill>
             <a:schemeClr val="tx1"/>
           </a:solidFill>
@@ -3506,8 +3348,8 @@
           <a:cs typeface="+mn-cs"/>
         </a:defRPr>
       </a:lvl5pPr>
-      <a:lvl6pPr marL="2286000" algn="l" defTabSz="914400" rtl="0" eaLnBrk="1" latinLnBrk="0" hangingPunct="1">
-        <a:defRPr sz="1800" kern="1200">
+      <a:lvl6pPr marL="3375050" algn="l" defTabSz="1350020" rtl="0" eaLnBrk="1" latinLnBrk="0" hangingPunct="1">
+        <a:defRPr sz="2658" kern="1200">
           <a:solidFill>
             <a:schemeClr val="tx1"/>
           </a:solidFill>
@@ -3516,8 +3358,8 @@
           <a:cs typeface="+mn-cs"/>
         </a:defRPr>
       </a:lvl6pPr>
-      <a:lvl7pPr marL="2743200" algn="l" defTabSz="914400" rtl="0" eaLnBrk="1" latinLnBrk="0" hangingPunct="1">
-        <a:defRPr sz="1800" kern="1200">
+      <a:lvl7pPr marL="4050060" algn="l" defTabSz="1350020" rtl="0" eaLnBrk="1" latinLnBrk="0" hangingPunct="1">
+        <a:defRPr sz="2658" kern="1200">
           <a:solidFill>
             <a:schemeClr val="tx1"/>
           </a:solidFill>
@@ -3526,8 +3368,8 @@
           <a:cs typeface="+mn-cs"/>
         </a:defRPr>
       </a:lvl7pPr>
-      <a:lvl8pPr marL="3200400" algn="l" defTabSz="914400" rtl="0" eaLnBrk="1" latinLnBrk="0" hangingPunct="1">
-        <a:defRPr sz="1800" kern="1200">
+      <a:lvl8pPr marL="4725071" algn="l" defTabSz="1350020" rtl="0" eaLnBrk="1" latinLnBrk="0" hangingPunct="1">
+        <a:defRPr sz="2658" kern="1200">
           <a:solidFill>
             <a:schemeClr val="tx1"/>
           </a:solidFill>
@@ -3536,8 +3378,8 @@
           <a:cs typeface="+mn-cs"/>
         </a:defRPr>
       </a:lvl8pPr>
-      <a:lvl9pPr marL="3657600" algn="l" defTabSz="914400" rtl="0" eaLnBrk="1" latinLnBrk="0" hangingPunct="1">
-        <a:defRPr sz="1800" kern="1200">
+      <a:lvl9pPr marL="5400081" algn="l" defTabSz="1350020" rtl="0" eaLnBrk="1" latinLnBrk="0" hangingPunct="1">
+        <a:defRPr sz="2658" kern="1200">
           <a:solidFill>
             <a:schemeClr val="tx1"/>
           </a:solidFill>
@@ -3596,7 +3438,7 @@
         </p:blipFill>
         <p:spPr>
           <a:xfrm>
-            <a:off x="1429744" y="1101948"/>
+            <a:off x="4334075" y="3072830"/>
             <a:ext cx="9332512" cy="1548953"/>
           </a:xfrm>
           <a:prstGeom prst="rect">
@@ -3618,8 +3460,8 @@
         </p:nvSpPr>
         <p:spPr>
           <a:xfrm>
-            <a:off x="466725" y="266700"/>
-            <a:ext cx="1605824" cy="369332"/>
+            <a:off x="3371056" y="2237582"/>
+            <a:ext cx="2331344" cy="511037"/>
           </a:xfrm>
           <a:prstGeom prst="rect">
             <a:avLst/>
@@ -3653,8 +3495,8 @@
         </p:nvSpPr>
         <p:spPr>
           <a:xfrm>
-            <a:off x="466725" y="3752850"/>
-            <a:ext cx="3470309" cy="369332"/>
+            <a:off x="3371057" y="5723732"/>
+            <a:ext cx="5149615" cy="511037"/>
           </a:xfrm>
           <a:prstGeom prst="rect">
             <a:avLst/>
@@ -3688,7 +3530,7 @@
         </p:nvGrpSpPr>
         <p:grpSpPr>
           <a:xfrm>
-            <a:off x="716978" y="4588097"/>
+            <a:off x="3621309" y="6558979"/>
             <a:ext cx="10767970" cy="1548953"/>
             <a:chOff x="716978" y="4588097"/>
             <a:chExt cx="10767970" cy="1548953"/>
@@ -3844,8 +3686,8 @@
         </p:nvSpPr>
         <p:spPr>
           <a:xfrm>
-            <a:off x="466725" y="266700"/>
-            <a:ext cx="1605824" cy="369332"/>
+            <a:off x="3371056" y="2237582"/>
+            <a:ext cx="2331344" cy="511037"/>
           </a:xfrm>
           <a:prstGeom prst="rect">
             <a:avLst/>
@@ -3879,8 +3721,8 @@
         </p:nvSpPr>
         <p:spPr>
           <a:xfrm>
-            <a:off x="466725" y="3752850"/>
-            <a:ext cx="3470309" cy="369332"/>
+            <a:off x="3371057" y="5723732"/>
+            <a:ext cx="5149615" cy="511037"/>
           </a:xfrm>
           <a:prstGeom prst="rect">
             <a:avLst/>
@@ -3928,7 +3770,7 @@
         </p:blipFill>
         <p:spPr>
           <a:xfrm>
-            <a:off x="466725" y="1834441"/>
+            <a:off x="3371057" y="3805322"/>
             <a:ext cx="8262993" cy="720000"/>
           </a:xfrm>
           <a:prstGeom prst="rect">
@@ -3950,7 +3792,7 @@
         </p:nvGrpSpPr>
         <p:grpSpPr>
           <a:xfrm>
-            <a:off x="2380261" y="4303560"/>
+            <a:off x="5284592" y="6274442"/>
             <a:ext cx="7085374" cy="1950065"/>
             <a:chOff x="2380261" y="4303560"/>
             <a:chExt cx="7085374" cy="1950065"/>
@@ -4215,10 +4057,766 @@
 </p:sld>
 </file>
 
+<file path=ppt/slides/slide3.xml><?xml version="1.0" encoding="utf-8"?>
+<p:sld xmlns:a="http://schemas.openxmlformats.org/drawingml/2006/main" xmlns:r="http://schemas.openxmlformats.org/officeDocument/2006/relationships" xmlns:p="http://schemas.openxmlformats.org/presentationml/2006/main">
+  <p:cSld>
+    <p:spTree>
+      <p:nvGrpSpPr>
+        <p:cNvPr id="1" name=""/>
+        <p:cNvGrpSpPr/>
+        <p:nvPr/>
+      </p:nvGrpSpPr>
+      <p:grpSpPr>
+        <a:xfrm>
+          <a:off x="0" y="0"/>
+          <a:ext cx="0" cy="0"/>
+          <a:chOff x="0" y="0"/>
+          <a:chExt cx="0" cy="0"/>
+        </a:xfrm>
+      </p:grpSpPr>
+      <p:grpSp>
+        <p:nvGrpSpPr>
+          <p:cNvPr id="37" name="Group 36">
+            <a:extLst>
+              <a:ext uri="{FF2B5EF4-FFF2-40B4-BE49-F238E27FC236}">
+                <a16:creationId xmlns:a16="http://schemas.microsoft.com/office/drawing/2014/main" id="{1D1D2A3E-CBC6-BB4D-C5F9-F0371C98FCF0}"/>
+              </a:ext>
+            </a:extLst>
+          </p:cNvPr>
+          <p:cNvGrpSpPr/>
+          <p:nvPr/>
+        </p:nvGrpSpPr>
+        <p:grpSpPr>
+          <a:xfrm>
+            <a:off x="308837" y="2562168"/>
+            <a:ext cx="17282677" cy="7545820"/>
+            <a:chOff x="277087" y="2390718"/>
+            <a:chExt cx="17282677" cy="7545820"/>
+          </a:xfrm>
+        </p:grpSpPr>
+        <p:pic>
+          <p:nvPicPr>
+            <p:cNvPr id="5" name="Picture 4" descr="A screenshot of a computer&#10;&#10;Description automatically generated">
+              <a:extLst>
+                <a:ext uri="{FF2B5EF4-FFF2-40B4-BE49-F238E27FC236}">
+                  <a16:creationId xmlns:a16="http://schemas.microsoft.com/office/drawing/2014/main" id="{BF47055E-0186-2C5A-6B5D-28447FF8F13A}"/>
+                </a:ext>
+              </a:extLst>
+            </p:cNvPr>
+            <p:cNvPicPr>
+              <a:picLocks noChangeAspect="1"/>
+            </p:cNvPicPr>
+            <p:nvPr/>
+          </p:nvPicPr>
+          <p:blipFill rotWithShape="1">
+            <a:blip r:embed="rId2">
+              <a:extLst>
+                <a:ext uri="{28A0092B-C50C-407E-A947-70E740481C1C}">
+                  <a14:useLocalDpi xmlns:a14="http://schemas.microsoft.com/office/drawing/2010/main" val="0"/>
+                </a:ext>
+              </a:extLst>
+            </a:blip>
+            <a:srcRect t="14550" b="6163"/>
+            <a:stretch/>
+          </p:blipFill>
+          <p:spPr>
+            <a:xfrm>
+              <a:off x="684571" y="2944716"/>
+              <a:ext cx="4036043" cy="1800000"/>
+            </a:xfrm>
+            <a:prstGeom prst="rect">
+              <a:avLst/>
+            </a:prstGeom>
+          </p:spPr>
+        </p:pic>
+        <p:pic>
+          <p:nvPicPr>
+            <p:cNvPr id="7" name="Picture 6" descr="A screenshot of a computer&#10;&#10;Description automatically generated">
+              <a:extLst>
+                <a:ext uri="{FF2B5EF4-FFF2-40B4-BE49-F238E27FC236}">
+                  <a16:creationId xmlns:a16="http://schemas.microsoft.com/office/drawing/2014/main" id="{7BB56E17-2F95-72C4-086C-63AAC0A88E29}"/>
+                </a:ext>
+              </a:extLst>
+            </p:cNvPr>
+            <p:cNvPicPr>
+              <a:picLocks noChangeAspect="1"/>
+            </p:cNvPicPr>
+            <p:nvPr/>
+          </p:nvPicPr>
+          <p:blipFill rotWithShape="1">
+            <a:blip r:embed="rId3">
+              <a:extLst>
+                <a:ext uri="{28A0092B-C50C-407E-A947-70E740481C1C}">
+                  <a14:useLocalDpi xmlns:a14="http://schemas.microsoft.com/office/drawing/2010/main" val="0"/>
+                </a:ext>
+              </a:extLst>
+            </a:blip>
+            <a:srcRect t="14309" b="6406"/>
+            <a:stretch/>
+          </p:blipFill>
+          <p:spPr>
+            <a:xfrm>
+              <a:off x="4964288" y="2944716"/>
+              <a:ext cx="4036043" cy="1800000"/>
+            </a:xfrm>
+            <a:prstGeom prst="rect">
+              <a:avLst/>
+            </a:prstGeom>
+          </p:spPr>
+        </p:pic>
+        <p:pic>
+          <p:nvPicPr>
+            <p:cNvPr id="9" name="Picture 8" descr="A screenshot of a computer&#10;&#10;Description automatically generated">
+              <a:extLst>
+                <a:ext uri="{FF2B5EF4-FFF2-40B4-BE49-F238E27FC236}">
+                  <a16:creationId xmlns:a16="http://schemas.microsoft.com/office/drawing/2014/main" id="{961B2ED7-CF65-5005-862D-F77FCA0E2299}"/>
+                </a:ext>
+              </a:extLst>
+            </p:cNvPr>
+            <p:cNvPicPr>
+              <a:picLocks noChangeAspect="1"/>
+            </p:cNvPicPr>
+            <p:nvPr/>
+          </p:nvPicPr>
+          <p:blipFill rotWithShape="1">
+            <a:blip r:embed="rId4">
+              <a:extLst>
+                <a:ext uri="{28A0092B-C50C-407E-A947-70E740481C1C}">
+                  <a14:useLocalDpi xmlns:a14="http://schemas.microsoft.com/office/drawing/2010/main" val="0"/>
+                </a:ext>
+              </a:extLst>
+            </a:blip>
+            <a:srcRect t="14427" b="6288"/>
+            <a:stretch/>
+          </p:blipFill>
+          <p:spPr>
+            <a:xfrm>
+              <a:off x="9244005" y="2944716"/>
+              <a:ext cx="4036043" cy="1800000"/>
+            </a:xfrm>
+            <a:prstGeom prst="rect">
+              <a:avLst/>
+            </a:prstGeom>
+          </p:spPr>
+        </p:pic>
+        <p:pic>
+          <p:nvPicPr>
+            <p:cNvPr id="11" name="Picture 10" descr="A screenshot of a computer&#10;&#10;Description automatically generated">
+              <a:extLst>
+                <a:ext uri="{FF2B5EF4-FFF2-40B4-BE49-F238E27FC236}">
+                  <a16:creationId xmlns:a16="http://schemas.microsoft.com/office/drawing/2014/main" id="{A9BFADBE-0BD3-1E32-1027-96EAA15A9947}"/>
+                </a:ext>
+              </a:extLst>
+            </p:cNvPr>
+            <p:cNvPicPr>
+              <a:picLocks noChangeAspect="1"/>
+            </p:cNvPicPr>
+            <p:nvPr/>
+          </p:nvPicPr>
+          <p:blipFill rotWithShape="1">
+            <a:blip r:embed="rId5">
+              <a:extLst>
+                <a:ext uri="{28A0092B-C50C-407E-A947-70E740481C1C}">
+                  <a14:useLocalDpi xmlns:a14="http://schemas.microsoft.com/office/drawing/2010/main" val="0"/>
+                </a:ext>
+              </a:extLst>
+            </a:blip>
+            <a:srcRect t="14591" b="6124"/>
+            <a:stretch/>
+          </p:blipFill>
+          <p:spPr>
+            <a:xfrm>
+              <a:off x="13523721" y="2944716"/>
+              <a:ext cx="4036043" cy="1800000"/>
+            </a:xfrm>
+            <a:prstGeom prst="rect">
+              <a:avLst/>
+            </a:prstGeom>
+          </p:spPr>
+        </p:pic>
+        <p:sp>
+          <p:nvSpPr>
+            <p:cNvPr id="12" name="Rectangle 11">
+              <a:extLst>
+                <a:ext uri="{FF2B5EF4-FFF2-40B4-BE49-F238E27FC236}">
+                  <a16:creationId xmlns:a16="http://schemas.microsoft.com/office/drawing/2014/main" id="{7BD631D9-0021-624C-6030-F0C9BF81EC04}"/>
+                </a:ext>
+              </a:extLst>
+            </p:cNvPr>
+            <p:cNvSpPr/>
+            <p:nvPr/>
+          </p:nvSpPr>
+          <p:spPr>
+            <a:xfrm>
+              <a:off x="10345783" y="3735977"/>
+              <a:ext cx="1750423" cy="248194"/>
+            </a:xfrm>
+            <a:prstGeom prst="rect">
+              <a:avLst/>
+            </a:prstGeom>
+            <a:solidFill>
+              <a:schemeClr val="tx1"/>
+            </a:solidFill>
+            <a:ln>
+              <a:solidFill>
+                <a:schemeClr val="tx1"/>
+              </a:solidFill>
+            </a:ln>
+          </p:spPr>
+          <p:style>
+            <a:lnRef idx="2">
+              <a:schemeClr val="accent1">
+                <a:shade val="50000"/>
+              </a:schemeClr>
+            </a:lnRef>
+            <a:fillRef idx="1">
+              <a:schemeClr val="accent1"/>
+            </a:fillRef>
+            <a:effectRef idx="0">
+              <a:schemeClr val="accent1"/>
+            </a:effectRef>
+            <a:fontRef idx="minor">
+              <a:schemeClr val="lt1"/>
+            </a:fontRef>
+          </p:style>
+          <p:txBody>
+            <a:bodyPr rtlCol="0" anchor="ctr"/>
+            <a:lstStyle/>
+            <a:p>
+              <a:pPr algn="ctr"/>
+              <a:endParaRPr lang="en-GB"/>
+            </a:p>
+          </p:txBody>
+        </p:sp>
+        <p:sp>
+          <p:nvSpPr>
+            <p:cNvPr id="13" name="TextBox 12">
+              <a:extLst>
+                <a:ext uri="{FF2B5EF4-FFF2-40B4-BE49-F238E27FC236}">
+                  <a16:creationId xmlns:a16="http://schemas.microsoft.com/office/drawing/2014/main" id="{CD654E8F-CDE2-17DA-0D1D-62F2048CA4EE}"/>
+                </a:ext>
+              </a:extLst>
+            </p:cNvPr>
+            <p:cNvSpPr txBox="1"/>
+            <p:nvPr/>
+          </p:nvSpPr>
+          <p:spPr>
+            <a:xfrm>
+              <a:off x="277087" y="2390718"/>
+              <a:ext cx="407484" cy="553998"/>
+            </a:xfrm>
+            <a:prstGeom prst="rect">
+              <a:avLst/>
+            </a:prstGeom>
+            <a:noFill/>
+          </p:spPr>
+          <p:txBody>
+            <a:bodyPr wrap="none" rtlCol="0">
+              <a:spAutoFit/>
+            </a:bodyPr>
+            <a:lstStyle/>
+            <a:p>
+              <a:r>
+                <a:rPr lang="en-GB" sz="3000" dirty="0">
+                  <a:solidFill>
+                    <a:srgbClr val="DA143F"/>
+                  </a:solidFill>
+                </a:rPr>
+                <a:t>A</a:t>
+              </a:r>
+            </a:p>
+          </p:txBody>
+        </p:sp>
+        <p:sp>
+          <p:nvSpPr>
+            <p:cNvPr id="14" name="TextBox 13">
+              <a:extLst>
+                <a:ext uri="{FF2B5EF4-FFF2-40B4-BE49-F238E27FC236}">
+                  <a16:creationId xmlns:a16="http://schemas.microsoft.com/office/drawing/2014/main" id="{1F81B2AA-5FE2-97E8-162E-784C1D3976B1}"/>
+                </a:ext>
+              </a:extLst>
+            </p:cNvPr>
+            <p:cNvSpPr txBox="1"/>
+            <p:nvPr/>
+          </p:nvSpPr>
+          <p:spPr>
+            <a:xfrm>
+              <a:off x="289911" y="5298714"/>
+              <a:ext cx="394660" cy="553998"/>
+            </a:xfrm>
+            <a:prstGeom prst="rect">
+              <a:avLst/>
+            </a:prstGeom>
+            <a:noFill/>
+          </p:spPr>
+          <p:txBody>
+            <a:bodyPr wrap="none" rtlCol="0">
+              <a:spAutoFit/>
+            </a:bodyPr>
+            <a:lstStyle/>
+            <a:p>
+              <a:r>
+                <a:rPr lang="en-GB" sz="3000" dirty="0">
+                  <a:solidFill>
+                    <a:srgbClr val="DA143F"/>
+                  </a:solidFill>
+                </a:rPr>
+                <a:t>B</a:t>
+              </a:r>
+            </a:p>
+          </p:txBody>
+        </p:sp>
+        <p:pic>
+          <p:nvPicPr>
+            <p:cNvPr id="16" name="Picture 15" descr="A screenshot of a computer&#10;&#10;Description automatically generated">
+              <a:extLst>
+                <a:ext uri="{FF2B5EF4-FFF2-40B4-BE49-F238E27FC236}">
+                  <a16:creationId xmlns:a16="http://schemas.microsoft.com/office/drawing/2014/main" id="{1AF44BAC-5FCC-0D42-7E65-4FD78F988CE3}"/>
+                </a:ext>
+              </a:extLst>
+            </p:cNvPr>
+            <p:cNvPicPr preferRelativeResize="0">
+              <a:picLocks/>
+            </p:cNvPicPr>
+            <p:nvPr/>
+          </p:nvPicPr>
+          <p:blipFill rotWithShape="1">
+            <a:blip r:embed="rId6">
+              <a:extLst>
+                <a:ext uri="{28A0092B-C50C-407E-A947-70E740481C1C}">
+                  <a14:useLocalDpi xmlns:a14="http://schemas.microsoft.com/office/drawing/2010/main" val="0"/>
+                </a:ext>
+              </a:extLst>
+            </a:blip>
+            <a:srcRect l="20" t="14613" r="-20" b="5482"/>
+            <a:stretch/>
+          </p:blipFill>
+          <p:spPr>
+            <a:xfrm>
+              <a:off x="684791" y="5852712"/>
+              <a:ext cx="4035600" cy="1800001"/>
+            </a:xfrm>
+            <a:prstGeom prst="rect">
+              <a:avLst/>
+            </a:prstGeom>
+          </p:spPr>
+        </p:pic>
+        <p:cxnSp>
+          <p:nvCxnSpPr>
+            <p:cNvPr id="23" name="Straight Arrow Connector 22">
+              <a:extLst>
+                <a:ext uri="{FF2B5EF4-FFF2-40B4-BE49-F238E27FC236}">
+                  <a16:creationId xmlns:a16="http://schemas.microsoft.com/office/drawing/2014/main" id="{F16F9292-D9E1-CFEE-8595-3E56AA73923D}"/>
+                </a:ext>
+              </a:extLst>
+            </p:cNvPr>
+            <p:cNvCxnSpPr>
+              <a:cxnSpLocks/>
+            </p:cNvCxnSpPr>
+            <p:nvPr/>
+          </p:nvCxnSpPr>
+          <p:spPr>
+            <a:xfrm>
+              <a:off x="684571" y="9090156"/>
+              <a:ext cx="16875193" cy="0"/>
+            </a:xfrm>
+            <a:prstGeom prst="straightConnector1">
+              <a:avLst/>
+            </a:prstGeom>
+            <a:ln w="38100">
+              <a:solidFill>
+                <a:srgbClr val="DA143F"/>
+              </a:solidFill>
+              <a:tailEnd type="triangle"/>
+            </a:ln>
+          </p:spPr>
+          <p:style>
+            <a:lnRef idx="1">
+              <a:schemeClr val="accent1"/>
+            </a:lnRef>
+            <a:fillRef idx="0">
+              <a:schemeClr val="accent1"/>
+            </a:fillRef>
+            <a:effectRef idx="0">
+              <a:schemeClr val="accent1"/>
+            </a:effectRef>
+            <a:fontRef idx="minor">
+              <a:schemeClr val="tx1"/>
+            </a:fontRef>
+          </p:style>
+        </p:cxnSp>
+        <p:sp>
+          <p:nvSpPr>
+            <p:cNvPr id="25" name="TextBox 24">
+              <a:extLst>
+                <a:ext uri="{FF2B5EF4-FFF2-40B4-BE49-F238E27FC236}">
+                  <a16:creationId xmlns:a16="http://schemas.microsoft.com/office/drawing/2014/main" id="{93007E2A-6838-06A0-5D35-D2E5FF8034ED}"/>
+                </a:ext>
+              </a:extLst>
+            </p:cNvPr>
+            <p:cNvSpPr txBox="1"/>
+            <p:nvPr/>
+          </p:nvSpPr>
+          <p:spPr>
+            <a:xfrm>
+              <a:off x="8764546" y="9382540"/>
+              <a:ext cx="958917" cy="553998"/>
+            </a:xfrm>
+            <a:prstGeom prst="rect">
+              <a:avLst/>
+            </a:prstGeom>
+            <a:noFill/>
+          </p:spPr>
+          <p:txBody>
+            <a:bodyPr wrap="none" rtlCol="0">
+              <a:spAutoFit/>
+            </a:bodyPr>
+            <a:lstStyle/>
+            <a:p>
+              <a:r>
+                <a:rPr lang="en-GB" sz="3000" dirty="0">
+                  <a:solidFill>
+                    <a:srgbClr val="DA143F"/>
+                  </a:solidFill>
+                </a:rPr>
+                <a:t>Time</a:t>
+              </a:r>
+            </a:p>
+          </p:txBody>
+        </p:sp>
+        <p:sp>
+          <p:nvSpPr>
+            <p:cNvPr id="26" name="TextBox 25">
+              <a:extLst>
+                <a:ext uri="{FF2B5EF4-FFF2-40B4-BE49-F238E27FC236}">
+                  <a16:creationId xmlns:a16="http://schemas.microsoft.com/office/drawing/2014/main" id="{E61D4942-7895-F056-F4C8-9DE789A51E7C}"/>
+                </a:ext>
+              </a:extLst>
+            </p:cNvPr>
+            <p:cNvSpPr txBox="1"/>
+            <p:nvPr/>
+          </p:nvSpPr>
+          <p:spPr>
+            <a:xfrm>
+              <a:off x="1702382" y="8094435"/>
+              <a:ext cx="2000419" cy="553998"/>
+            </a:xfrm>
+            <a:prstGeom prst="rect">
+              <a:avLst/>
+            </a:prstGeom>
+            <a:noFill/>
+          </p:spPr>
+          <p:txBody>
+            <a:bodyPr wrap="none" rtlCol="0">
+              <a:spAutoFit/>
+            </a:bodyPr>
+            <a:lstStyle/>
+            <a:p>
+              <a:r>
+                <a:rPr lang="en-GB" sz="3000" dirty="0">
+                  <a:solidFill>
+                    <a:srgbClr val="DA143F"/>
+                  </a:solidFill>
+                </a:rPr>
+                <a:t>Card choice</a:t>
+              </a:r>
+            </a:p>
+          </p:txBody>
+        </p:sp>
+        <p:sp>
+          <p:nvSpPr>
+            <p:cNvPr id="27" name="TextBox 26">
+              <a:extLst>
+                <a:ext uri="{FF2B5EF4-FFF2-40B4-BE49-F238E27FC236}">
+                  <a16:creationId xmlns:a16="http://schemas.microsoft.com/office/drawing/2014/main" id="{88B58B8C-1D3A-B111-5E98-FAA91E85A573}"/>
+                </a:ext>
+              </a:extLst>
+            </p:cNvPr>
+            <p:cNvSpPr txBox="1"/>
+            <p:nvPr/>
+          </p:nvSpPr>
+          <p:spPr>
+            <a:xfrm>
+              <a:off x="6169362" y="8094435"/>
+              <a:ext cx="1625894" cy="553998"/>
+            </a:xfrm>
+            <a:prstGeom prst="rect">
+              <a:avLst/>
+            </a:prstGeom>
+            <a:noFill/>
+          </p:spPr>
+          <p:txBody>
+            <a:bodyPr wrap="none" rtlCol="0">
+              <a:spAutoFit/>
+            </a:bodyPr>
+            <a:lstStyle/>
+            <a:p>
+              <a:r>
+                <a:rPr lang="en-GB" sz="3000" dirty="0">
+                  <a:solidFill>
+                    <a:srgbClr val="DA143F"/>
+                  </a:solidFill>
+                </a:rPr>
+                <a:t>Outcome</a:t>
+              </a:r>
+            </a:p>
+          </p:txBody>
+        </p:sp>
+        <p:sp>
+          <p:nvSpPr>
+            <p:cNvPr id="28" name="TextBox 27">
+              <a:extLst>
+                <a:ext uri="{FF2B5EF4-FFF2-40B4-BE49-F238E27FC236}">
+                  <a16:creationId xmlns:a16="http://schemas.microsoft.com/office/drawing/2014/main" id="{1B9C476C-0B98-5EF0-87E1-32D604190C0D}"/>
+                </a:ext>
+              </a:extLst>
+            </p:cNvPr>
+            <p:cNvSpPr txBox="1"/>
+            <p:nvPr/>
+          </p:nvSpPr>
+          <p:spPr>
+            <a:xfrm>
+              <a:off x="9941953" y="8094435"/>
+              <a:ext cx="2640146" cy="553998"/>
+            </a:xfrm>
+            <a:prstGeom prst="rect">
+              <a:avLst/>
+            </a:prstGeom>
+            <a:noFill/>
+          </p:spPr>
+          <p:txBody>
+            <a:bodyPr wrap="none" rtlCol="0">
+              <a:spAutoFit/>
+            </a:bodyPr>
+            <a:lstStyle/>
+            <a:p>
+              <a:r>
+                <a:rPr lang="en-GB" sz="3000" dirty="0">
+                  <a:solidFill>
+                    <a:srgbClr val="DA143F"/>
+                  </a:solidFill>
+                </a:rPr>
+                <a:t>Reaction choice</a:t>
+              </a:r>
+            </a:p>
+          </p:txBody>
+        </p:sp>
+        <p:sp>
+          <p:nvSpPr>
+            <p:cNvPr id="29" name="TextBox 28">
+              <a:extLst>
+                <a:ext uri="{FF2B5EF4-FFF2-40B4-BE49-F238E27FC236}">
+                  <a16:creationId xmlns:a16="http://schemas.microsoft.com/office/drawing/2014/main" id="{A11C95B8-64CD-064F-E1E0-991C0B544C4A}"/>
+                </a:ext>
+              </a:extLst>
+            </p:cNvPr>
+            <p:cNvSpPr txBox="1"/>
+            <p:nvPr/>
+          </p:nvSpPr>
+          <p:spPr>
+            <a:xfrm>
+              <a:off x="14710841" y="8094497"/>
+              <a:ext cx="1661802" cy="553998"/>
+            </a:xfrm>
+            <a:prstGeom prst="rect">
+              <a:avLst/>
+            </a:prstGeom>
+            <a:noFill/>
+          </p:spPr>
+          <p:txBody>
+            <a:bodyPr wrap="none" rtlCol="0">
+              <a:spAutoFit/>
+            </a:bodyPr>
+            <a:lstStyle/>
+            <a:p>
+              <a:r>
+                <a:rPr lang="en-GB" sz="3000" dirty="0">
+                  <a:solidFill>
+                    <a:srgbClr val="DA143F"/>
+                  </a:solidFill>
+                </a:rPr>
+                <a:t>Feedback</a:t>
+              </a:r>
+            </a:p>
+          </p:txBody>
+        </p:sp>
+        <p:pic>
+          <p:nvPicPr>
+            <p:cNvPr id="31" name="Picture 30" descr="A screenshot of a computer&#10;&#10;Description automatically generated">
+              <a:extLst>
+                <a:ext uri="{FF2B5EF4-FFF2-40B4-BE49-F238E27FC236}">
+                  <a16:creationId xmlns:a16="http://schemas.microsoft.com/office/drawing/2014/main" id="{ED40793D-B46C-EEE1-6DFA-86326D38691C}"/>
+                </a:ext>
+              </a:extLst>
+            </p:cNvPr>
+            <p:cNvPicPr preferRelativeResize="0">
+              <a:picLocks/>
+            </p:cNvPicPr>
+            <p:nvPr/>
+          </p:nvPicPr>
+          <p:blipFill rotWithShape="1">
+            <a:blip r:embed="rId7">
+              <a:extLst>
+                <a:ext uri="{28A0092B-C50C-407E-A947-70E740481C1C}">
+                  <a14:useLocalDpi xmlns:a14="http://schemas.microsoft.com/office/drawing/2010/main" val="0"/>
+                </a:ext>
+              </a:extLst>
+            </a:blip>
+            <a:srcRect t="14782" b="6504"/>
+            <a:stretch/>
+          </p:blipFill>
+          <p:spPr>
+            <a:xfrm>
+              <a:off x="13524164" y="5852712"/>
+              <a:ext cx="4035600" cy="1800000"/>
+            </a:xfrm>
+            <a:prstGeom prst="rect">
+              <a:avLst/>
+            </a:prstGeom>
+          </p:spPr>
+        </p:pic>
+        <p:pic>
+          <p:nvPicPr>
+            <p:cNvPr id="33" name="Picture 32" descr="A screenshot of a computer&#10;&#10;Description automatically generated">
+              <a:extLst>
+                <a:ext uri="{FF2B5EF4-FFF2-40B4-BE49-F238E27FC236}">
+                  <a16:creationId xmlns:a16="http://schemas.microsoft.com/office/drawing/2014/main" id="{CE3904C8-9C3D-F32A-0F3B-0267BEF40695}"/>
+                </a:ext>
+              </a:extLst>
+            </p:cNvPr>
+            <p:cNvPicPr preferRelativeResize="0">
+              <a:picLocks/>
+            </p:cNvPicPr>
+            <p:nvPr/>
+          </p:nvPicPr>
+          <p:blipFill rotWithShape="1">
+            <a:blip r:embed="rId8">
+              <a:extLst>
+                <a:ext uri="{28A0092B-C50C-407E-A947-70E740481C1C}">
+                  <a14:useLocalDpi xmlns:a14="http://schemas.microsoft.com/office/drawing/2010/main" val="0"/>
+                </a:ext>
+              </a:extLst>
+            </a:blip>
+            <a:srcRect t="14866" b="6266"/>
+            <a:stretch/>
+          </p:blipFill>
+          <p:spPr>
+            <a:xfrm>
+              <a:off x="4964288" y="5852712"/>
+              <a:ext cx="4035600" cy="1800000"/>
+            </a:xfrm>
+            <a:prstGeom prst="rect">
+              <a:avLst/>
+            </a:prstGeom>
+          </p:spPr>
+        </p:pic>
+        <p:pic>
+          <p:nvPicPr>
+            <p:cNvPr id="35" name="Picture 34" descr="A screenshot of a computer&#10;&#10;Description automatically generated">
+              <a:extLst>
+                <a:ext uri="{FF2B5EF4-FFF2-40B4-BE49-F238E27FC236}">
+                  <a16:creationId xmlns:a16="http://schemas.microsoft.com/office/drawing/2014/main" id="{E096F6A6-908A-B14A-071C-2873A43BB819}"/>
+                </a:ext>
+              </a:extLst>
+            </p:cNvPr>
+            <p:cNvPicPr preferRelativeResize="0">
+              <a:picLocks/>
+            </p:cNvPicPr>
+            <p:nvPr/>
+          </p:nvPicPr>
+          <p:blipFill rotWithShape="1">
+            <a:blip r:embed="rId9">
+              <a:extLst>
+                <a:ext uri="{28A0092B-C50C-407E-A947-70E740481C1C}">
+                  <a14:useLocalDpi xmlns:a14="http://schemas.microsoft.com/office/drawing/2010/main" val="0"/>
+                </a:ext>
+              </a:extLst>
+            </a:blip>
+            <a:srcRect t="15202" b="6084"/>
+            <a:stretch/>
+          </p:blipFill>
+          <p:spPr>
+            <a:xfrm>
+              <a:off x="9244226" y="5852712"/>
+              <a:ext cx="4035600" cy="1800000"/>
+            </a:xfrm>
+            <a:prstGeom prst="rect">
+              <a:avLst/>
+            </a:prstGeom>
+          </p:spPr>
+        </p:pic>
+        <p:sp>
+          <p:nvSpPr>
+            <p:cNvPr id="36" name="Rectangle 35">
+              <a:extLst>
+                <a:ext uri="{FF2B5EF4-FFF2-40B4-BE49-F238E27FC236}">
+                  <a16:creationId xmlns:a16="http://schemas.microsoft.com/office/drawing/2014/main" id="{8B65AC0D-021C-462A-9496-4690B2C4B51A}"/>
+                </a:ext>
+              </a:extLst>
+            </p:cNvPr>
+            <p:cNvSpPr/>
+            <p:nvPr/>
+          </p:nvSpPr>
+          <p:spPr>
+            <a:xfrm>
+              <a:off x="10386814" y="6550910"/>
+              <a:ext cx="1750423" cy="319790"/>
+            </a:xfrm>
+            <a:prstGeom prst="rect">
+              <a:avLst/>
+            </a:prstGeom>
+            <a:solidFill>
+              <a:schemeClr val="tx1"/>
+            </a:solidFill>
+            <a:ln>
+              <a:solidFill>
+                <a:schemeClr val="tx1"/>
+              </a:solidFill>
+            </a:ln>
+          </p:spPr>
+          <p:style>
+            <a:lnRef idx="2">
+              <a:schemeClr val="accent1">
+                <a:shade val="50000"/>
+              </a:schemeClr>
+            </a:lnRef>
+            <a:fillRef idx="1">
+              <a:schemeClr val="accent1"/>
+            </a:fillRef>
+            <a:effectRef idx="0">
+              <a:schemeClr val="accent1"/>
+            </a:effectRef>
+            <a:fontRef idx="minor">
+              <a:schemeClr val="lt1"/>
+            </a:fontRef>
+          </p:style>
+          <p:txBody>
+            <a:bodyPr rtlCol="0" anchor="ctr"/>
+            <a:lstStyle/>
+            <a:p>
+              <a:pPr algn="ctr"/>
+              <a:endParaRPr lang="en-GB"/>
+            </a:p>
+          </p:txBody>
+        </p:sp>
+      </p:grpSp>
+    </p:spTree>
+    <p:extLst>
+      <p:ext uri="{BB962C8B-B14F-4D97-AF65-F5344CB8AC3E}">
+        <p14:creationId xmlns:p14="http://schemas.microsoft.com/office/powerpoint/2010/main" val="3699458635"/>
+      </p:ext>
+    </p:extLst>
+  </p:cSld>
+  <p:clrMapOvr>
+    <a:masterClrMapping/>
+  </p:clrMapOvr>
+</p:sld>
+</file>
+
 <file path=ppt/theme/theme1.xml><?xml version="1.0" encoding="utf-8"?>
 <a:theme xmlns:a="http://schemas.openxmlformats.org/drawingml/2006/main" name="Office Theme">
   <a:themeElements>
-    <a:clrScheme name="Office">
+    <a:clrScheme name="Office Theme">
       <a:dk1>
         <a:sysClr val="windowText" lastClr="000000"/>
       </a:dk1>
@@ -4256,7 +4854,7 @@
         <a:srgbClr val="954F72"/>
       </a:folHlink>
     </a:clrScheme>
-    <a:fontScheme name="Office">
+    <a:fontScheme name="Office Theme">
       <a:majorFont>
         <a:latin typeface="Calibri Light" panose="020F0302020204030204"/>
         <a:ea typeface=""/>
@@ -4291,23 +4889,6 @@
         <a:font script="Viet" typeface="Times New Roman"/>
         <a:font script="Uigh" typeface="Microsoft Uighur"/>
         <a:font script="Geor" typeface="Sylfaen"/>
-        <a:font script="Armn" typeface="Arial"/>
-        <a:font script="Bugi" typeface="Leelawadee UI"/>
-        <a:font script="Bopo" typeface="Microsoft JhengHei"/>
-        <a:font script="Java" typeface="Javanese Text"/>
-        <a:font script="Lisu" typeface="Segoe UI"/>
-        <a:font script="Mymr" typeface="Myanmar Text"/>
-        <a:font script="Nkoo" typeface="Ebrima"/>
-        <a:font script="Olck" typeface="Nirmala UI"/>
-        <a:font script="Osma" typeface="Ebrima"/>
-        <a:font script="Phag" typeface="Phagspa"/>
-        <a:font script="Syrn" typeface="Estrangelo Edessa"/>
-        <a:font script="Syrj" typeface="Estrangelo Edessa"/>
-        <a:font script="Syre" typeface="Estrangelo Edessa"/>
-        <a:font script="Sora" typeface="Nirmala UI"/>
-        <a:font script="Tale" typeface="Microsoft Tai Le"/>
-        <a:font script="Talu" typeface="Microsoft New Tai Lue"/>
-        <a:font script="Tfng" typeface="Ebrima"/>
       </a:majorFont>
       <a:minorFont>
         <a:latin typeface="Calibri" panose="020F0502020204030204"/>
@@ -4343,26 +4924,9 @@
         <a:font script="Viet" typeface="Arial"/>
         <a:font script="Uigh" typeface="Microsoft Uighur"/>
         <a:font script="Geor" typeface="Sylfaen"/>
-        <a:font script="Armn" typeface="Arial"/>
-        <a:font script="Bugi" typeface="Leelawadee UI"/>
-        <a:font script="Bopo" typeface="Microsoft JhengHei"/>
-        <a:font script="Java" typeface="Javanese Text"/>
-        <a:font script="Lisu" typeface="Segoe UI"/>
-        <a:font script="Mymr" typeface="Myanmar Text"/>
-        <a:font script="Nkoo" typeface="Ebrima"/>
-        <a:font script="Olck" typeface="Nirmala UI"/>
-        <a:font script="Osma" typeface="Ebrima"/>
-        <a:font script="Phag" typeface="Phagspa"/>
-        <a:font script="Syrn" typeface="Estrangelo Edessa"/>
-        <a:font script="Syrj" typeface="Estrangelo Edessa"/>
-        <a:font script="Syre" typeface="Estrangelo Edessa"/>
-        <a:font script="Sora" typeface="Nirmala UI"/>
-        <a:font script="Tale" typeface="Microsoft Tai Le"/>
-        <a:font script="Talu" typeface="Microsoft New Tai Lue"/>
-        <a:font script="Tfng" typeface="Ebrima"/>
       </a:minorFont>
     </a:fontScheme>
-    <a:fmtScheme name="Office">
+    <a:fmtScheme name="Office Theme">
       <a:fillStyleLst>
         <a:solidFill>
           <a:schemeClr val="phClr"/>
